--- a/Personality Detection From Text.pptx
+++ b/Personality Detection From Text.pptx
@@ -10,19 +10,16 @@
     <p:sldId id="259" r:id="rId4"/>
     <p:sldId id="260" r:id="rId5"/>
     <p:sldId id="271" r:id="rId6"/>
-    <p:sldId id="272" r:id="rId7"/>
-    <p:sldId id="261" r:id="rId8"/>
-    <p:sldId id="262" r:id="rId9"/>
-    <p:sldId id="263" r:id="rId10"/>
-    <p:sldId id="265" r:id="rId11"/>
-    <p:sldId id="270" r:id="rId12"/>
-    <p:sldId id="266" r:id="rId13"/>
-    <p:sldId id="267" r:id="rId14"/>
-    <p:sldId id="273" r:id="rId15"/>
-    <p:sldId id="274" r:id="rId16"/>
-    <p:sldId id="264" r:id="rId17"/>
-    <p:sldId id="268" r:id="rId18"/>
-    <p:sldId id="269" r:id="rId19"/>
+    <p:sldId id="261" r:id="rId7"/>
+    <p:sldId id="262" r:id="rId8"/>
+    <p:sldId id="263" r:id="rId9"/>
+    <p:sldId id="265" r:id="rId10"/>
+    <p:sldId id="270" r:id="rId11"/>
+    <p:sldId id="266" r:id="rId12"/>
+    <p:sldId id="267" r:id="rId13"/>
+    <p:sldId id="264" r:id="rId14"/>
+    <p:sldId id="268" r:id="rId15"/>
+    <p:sldId id="269" r:id="rId16"/>
   </p:sldIdLst>
   <p:sldSz cx="12192000" cy="6858000"/>
   <p:notesSz cx="6858000" cy="9144000"/>
@@ -278,7 +275,7 @@
           <a:p>
             <a:fld id="{A9DDA54D-11F0-4972-A1B4-206028DC4B33}" type="datetimeFigureOut">
               <a:rPr lang="en-IN" smtClean="0"/>
-              <a:t>18-07-2022</a:t>
+              <a:t>09-03-2022</a:t>
             </a:fld>
             <a:endParaRPr lang="en-IN"/>
           </a:p>
@@ -490,7 +487,7 @@
           <a:p>
             <a:fld id="{A9DDA54D-11F0-4972-A1B4-206028DC4B33}" type="datetimeFigureOut">
               <a:rPr lang="en-IN" smtClean="0"/>
-              <a:t>18-07-2022</a:t>
+              <a:t>09-03-2022</a:t>
             </a:fld>
             <a:endParaRPr lang="en-IN"/>
           </a:p>
@@ -712,7 +709,7 @@
           <a:p>
             <a:fld id="{A9DDA54D-11F0-4972-A1B4-206028DC4B33}" type="datetimeFigureOut">
               <a:rPr lang="en-IN" smtClean="0"/>
-              <a:t>18-07-2022</a:t>
+              <a:t>09-03-2022</a:t>
             </a:fld>
             <a:endParaRPr lang="en-IN"/>
           </a:p>
@@ -924,7 +921,7 @@
           <a:p>
             <a:fld id="{A9DDA54D-11F0-4972-A1B4-206028DC4B33}" type="datetimeFigureOut">
               <a:rPr lang="en-IN" smtClean="0"/>
-              <a:t>18-07-2022</a:t>
+              <a:t>09-03-2022</a:t>
             </a:fld>
             <a:endParaRPr lang="en-IN"/>
           </a:p>
@@ -1212,7 +1209,7 @@
           <a:p>
             <a:fld id="{A9DDA54D-11F0-4972-A1B4-206028DC4B33}" type="datetimeFigureOut">
               <a:rPr lang="en-IN" smtClean="0"/>
-              <a:t>18-07-2022</a:t>
+              <a:t>09-03-2022</a:t>
             </a:fld>
             <a:endParaRPr lang="en-IN"/>
           </a:p>
@@ -1492,7 +1489,7 @@
           <a:p>
             <a:fld id="{A9DDA54D-11F0-4972-A1B4-206028DC4B33}" type="datetimeFigureOut">
               <a:rPr lang="en-IN" smtClean="0"/>
-              <a:t>18-07-2022</a:t>
+              <a:t>09-03-2022</a:t>
             </a:fld>
             <a:endParaRPr lang="en-IN"/>
           </a:p>
@@ -1919,7 +1916,7 @@
           <a:p>
             <a:fld id="{A9DDA54D-11F0-4972-A1B4-206028DC4B33}" type="datetimeFigureOut">
               <a:rPr lang="en-IN" smtClean="0"/>
-              <a:t>18-07-2022</a:t>
+              <a:t>09-03-2022</a:t>
             </a:fld>
             <a:endParaRPr lang="en-IN"/>
           </a:p>
@@ -2073,7 +2070,7 @@
           <a:p>
             <a:fld id="{A9DDA54D-11F0-4972-A1B4-206028DC4B33}" type="datetimeFigureOut">
               <a:rPr lang="en-IN" smtClean="0"/>
-              <a:t>18-07-2022</a:t>
+              <a:t>09-03-2022</a:t>
             </a:fld>
             <a:endParaRPr lang="en-IN"/>
           </a:p>
@@ -2198,7 +2195,7 @@
           <a:p>
             <a:fld id="{A9DDA54D-11F0-4972-A1B4-206028DC4B33}" type="datetimeFigureOut">
               <a:rPr lang="en-IN" smtClean="0"/>
-              <a:t>18-07-2022</a:t>
+              <a:t>09-03-2022</a:t>
             </a:fld>
             <a:endParaRPr lang="en-IN"/>
           </a:p>
@@ -2523,7 +2520,7 @@
           <a:p>
             <a:fld id="{A9DDA54D-11F0-4972-A1B4-206028DC4B33}" type="datetimeFigureOut">
               <a:rPr lang="en-IN" smtClean="0"/>
-              <a:t>18-07-2022</a:t>
+              <a:t>09-03-2022</a:t>
             </a:fld>
             <a:endParaRPr lang="en-IN"/>
           </a:p>
@@ -2824,7 +2821,7 @@
           <a:p>
             <a:fld id="{A9DDA54D-11F0-4972-A1B4-206028DC4B33}" type="datetimeFigureOut">
               <a:rPr lang="en-IN" smtClean="0"/>
-              <a:t>18-07-2022</a:t>
+              <a:t>09-03-2022</a:t>
             </a:fld>
             <a:endParaRPr lang="en-IN"/>
           </a:p>
@@ -3082,7 +3079,7 @@
           <a:p>
             <a:fld id="{A9DDA54D-11F0-4972-A1B4-206028DC4B33}" type="datetimeFigureOut">
               <a:rPr lang="en-IN" smtClean="0"/>
-              <a:t>18-07-2022</a:t>
+              <a:t>09-03-2022</a:t>
             </a:fld>
             <a:endParaRPr lang="en-IN"/>
           </a:p>
@@ -4936,7 +4933,7 @@
           <p:cNvPr id="2" name="Title 1">
             <a:extLst>
               <a:ext uri="{FF2B5EF4-FFF2-40B4-BE49-F238E27FC236}">
-                <a16:creationId xmlns:a16="http://schemas.microsoft.com/office/drawing/2014/main" id="{865CFB3B-2E85-4168-AEE4-0B3DCE7C18C5}"/>
+                <a16:creationId xmlns:a16="http://schemas.microsoft.com/office/drawing/2014/main" id="{E075B440-97BE-47CD-B5A2-9EE96E2E3485}"/>
               </a:ext>
             </a:extLst>
           </p:cNvPr>
@@ -4963,159 +4960,25 @@
               </a:rPr>
               <a:t>Approach 2 – Deep Learning</a:t>
             </a:r>
-          </a:p>
-        </p:txBody>
-      </p:sp>
-      <p:sp>
-        <p:nvSpPr>
-          <p:cNvPr id="3" name="Content Placeholder 2">
-            <a:extLst>
-              <a:ext uri="{FF2B5EF4-FFF2-40B4-BE49-F238E27FC236}">
-                <a16:creationId xmlns:a16="http://schemas.microsoft.com/office/drawing/2014/main" id="{B6229D8E-D2D2-4F26-8B29-57ACF586DB44}"/>
-              </a:ext>
-            </a:extLst>
-          </p:cNvPr>
-          <p:cNvSpPr>
-            <a:spLocks noGrp="1"/>
-          </p:cNvSpPr>
-          <p:nvPr>
-            <p:ph sz="half" idx="1"/>
-          </p:nvPr>
-        </p:nvSpPr>
-        <p:spPr>
-          <a:xfrm>
-            <a:off x="914400" y="2389132"/>
-            <a:ext cx="5181600" cy="3309722"/>
-          </a:xfrm>
-        </p:spPr>
-        <p:txBody>
-          <a:bodyPr>
-            <a:normAutofit/>
-          </a:bodyPr>
-          <a:lstStyle/>
-          <a:p>
-            <a:pPr marL="0" indent="0">
-              <a:buNone/>
-            </a:pPr>
-            <a:endParaRPr lang="en-IN" sz="1800" dirty="0">
-              <a:solidFill>
-                <a:schemeClr val="bg1">
-                  <a:lumMod val="95000"/>
-                </a:schemeClr>
-              </a:solidFill>
-              <a:latin typeface="Century Gothic" panose="020B0502020202020204" pitchFamily="34" charset="0"/>
-            </a:endParaRPr>
-          </a:p>
-          <a:p>
-            <a:pPr marL="0" indent="0">
-              <a:buNone/>
-            </a:pPr>
-            <a:endParaRPr lang="en-IN" sz="1800" dirty="0">
-              <a:solidFill>
-                <a:schemeClr val="bg1">
-                  <a:lumMod val="95000"/>
-                </a:schemeClr>
-              </a:solidFill>
-              <a:latin typeface="Century Gothic" panose="020B0502020202020204" pitchFamily="34" charset="0"/>
-            </a:endParaRPr>
-          </a:p>
-          <a:p>
-            <a:pPr marL="0" indent="0">
-              <a:buNone/>
-            </a:pPr>
-            <a:endParaRPr lang="en-IN" sz="1800" dirty="0">
-              <a:solidFill>
-                <a:schemeClr val="bg1">
-                  <a:lumMod val="95000"/>
-                </a:schemeClr>
-              </a:solidFill>
-              <a:latin typeface="Century Gothic" panose="020B0502020202020204" pitchFamily="34" charset="0"/>
-            </a:endParaRPr>
-          </a:p>
-          <a:p>
-            <a:pPr marL="0" indent="0">
-              <a:buNone/>
-            </a:pPr>
-            <a:endParaRPr lang="en-IN" sz="1800" dirty="0">
-              <a:solidFill>
-                <a:schemeClr val="bg1">
-                  <a:lumMod val="95000"/>
-                </a:schemeClr>
-              </a:solidFill>
-              <a:latin typeface="Century Gothic" panose="020B0502020202020204" pitchFamily="34" charset="0"/>
-            </a:endParaRPr>
-          </a:p>
-          <a:p>
-            <a:pPr marL="0" indent="0">
-              <a:buNone/>
-            </a:pPr>
-            <a:endParaRPr lang="en-IN" sz="1800" dirty="0">
-              <a:solidFill>
-                <a:schemeClr val="bg1">
-                  <a:lumMod val="95000"/>
-                </a:schemeClr>
-              </a:solidFill>
-              <a:latin typeface="Century Gothic" panose="020B0502020202020204" pitchFamily="34" charset="0"/>
-            </a:endParaRPr>
-          </a:p>
-          <a:p>
-            <a:pPr marL="0" indent="0">
-              <a:buNone/>
-            </a:pPr>
-            <a:r>
-              <a:rPr lang="en-IN" sz="1800" dirty="0">
-                <a:solidFill>
-                  <a:schemeClr val="bg1">
-                    <a:lumMod val="95000"/>
-                  </a:schemeClr>
-                </a:solidFill>
-                <a:effectLst/>
-                <a:latin typeface="Century Gothic" panose="020B0502020202020204" pitchFamily="34" charset="0"/>
-                <a:ea typeface="Calibri" panose="020F0502020204030204" pitchFamily="34" charset="0"/>
-                <a:cs typeface="Mangal" panose="02040503050203030202" pitchFamily="18" charset="0"/>
-              </a:rPr>
-              <a:t>Next, we move on to Document Level Feature Extraction.</a:t>
-            </a:r>
-            <a:endParaRPr lang="en-IN" sz="1800" dirty="0">
-              <a:solidFill>
-                <a:schemeClr val="bg1">
-                  <a:lumMod val="95000"/>
-                </a:schemeClr>
-              </a:solidFill>
-              <a:effectLst/>
-              <a:latin typeface="Century Gothic" panose="020B0502020202020204" pitchFamily="34" charset="0"/>
-              <a:ea typeface="Times New Roman" panose="02020603050405020304" pitchFamily="18" charset="0"/>
-              <a:cs typeface="Mangal" panose="02040503050203030202" pitchFamily="18" charset="0"/>
-            </a:endParaRPr>
-          </a:p>
-          <a:p>
-            <a:pPr marL="0" indent="0">
-              <a:buNone/>
-            </a:pPr>
-            <a:endParaRPr lang="en-IN" sz="1800" dirty="0">
-              <a:solidFill>
-                <a:schemeClr val="bg1">
-                  <a:lumMod val="95000"/>
-                </a:schemeClr>
-              </a:solidFill>
-              <a:latin typeface="Century Gothic" panose="020B0502020202020204" pitchFamily="34" charset="0"/>
-            </a:endParaRPr>
+            <a:endParaRPr lang="en-IN" dirty="0"/>
           </a:p>
         </p:txBody>
       </p:sp>
       <p:pic>
         <p:nvPicPr>
-          <p:cNvPr id="5" name="Picture 4">
-            <a:extLst>
-              <a:ext uri="{FF2B5EF4-FFF2-40B4-BE49-F238E27FC236}">
-                <a16:creationId xmlns:a16="http://schemas.microsoft.com/office/drawing/2014/main" id="{DC142329-9444-461B-8917-F42E1D911DBF}"/>
+          <p:cNvPr id="10" name="Content Placeholder 9">
+            <a:extLst>
+              <a:ext uri="{FF2B5EF4-FFF2-40B4-BE49-F238E27FC236}">
+                <a16:creationId xmlns:a16="http://schemas.microsoft.com/office/drawing/2014/main" id="{B88F852F-78DF-4238-BF79-58A5BA675B93}"/>
               </a:ext>
             </a:extLst>
           </p:cNvPr>
           <p:cNvPicPr>
-            <a:picLocks noChangeAspect="1"/>
+            <a:picLocks noGrp="1" noChangeAspect="1"/>
           </p:cNvPicPr>
-          <p:nvPr/>
+          <p:nvPr>
+            <p:ph sz="half" idx="2"/>
+          </p:nvPr>
         </p:nvPicPr>
         <p:blipFill>
           <a:blip r:embed="rId2"/>
@@ -5125,20 +4988,45 @@
         </p:blipFill>
         <p:spPr>
           <a:xfrm>
-            <a:off x="6172199" y="3696986"/>
-            <a:ext cx="5257801" cy="2728304"/>
+            <a:off x="6518429" y="1966913"/>
+            <a:ext cx="5181600" cy="4210050"/>
           </a:xfrm>
-          <a:prstGeom prst="rect">
-            <a:avLst/>
-          </a:prstGeom>
         </p:spPr>
       </p:pic>
       <p:pic>
         <p:nvPicPr>
-          <p:cNvPr id="7" name="Picture 6">
-            <a:extLst>
-              <a:ext uri="{FF2B5EF4-FFF2-40B4-BE49-F238E27FC236}">
-                <a16:creationId xmlns:a16="http://schemas.microsoft.com/office/drawing/2014/main" id="{E02118A7-3EC6-4F03-B890-45ACA4D41CF4}"/>
+          <p:cNvPr id="5" name="Content Placeholder 7">
+            <a:extLst>
+              <a:ext uri="{FF2B5EF4-FFF2-40B4-BE49-F238E27FC236}">
+                <a16:creationId xmlns:a16="http://schemas.microsoft.com/office/drawing/2014/main" id="{34124A0A-26A5-450E-8F5B-B824CB98F907}"/>
+              </a:ext>
+            </a:extLst>
+          </p:cNvPr>
+          <p:cNvPicPr>
+            <a:picLocks noGrp="1" noChangeAspect="1"/>
+          </p:cNvPicPr>
+          <p:nvPr>
+            <p:ph sz="half" idx="1"/>
+          </p:nvPr>
+        </p:nvPicPr>
+        <p:blipFill rotWithShape="1">
+          <a:blip r:embed="rId3"/>
+          <a:srcRect r="23583"/>
+          <a:stretch/>
+        </p:blipFill>
+        <p:spPr>
+          <a:xfrm>
+            <a:off x="758301" y="3079520"/>
+            <a:ext cx="5181600" cy="1137441"/>
+          </a:xfrm>
+        </p:spPr>
+      </p:pic>
+      <p:pic>
+        <p:nvPicPr>
+          <p:cNvPr id="6" name="Picture 5">
+            <a:extLst>
+              <a:ext uri="{FF2B5EF4-FFF2-40B4-BE49-F238E27FC236}">
+                <a16:creationId xmlns:a16="http://schemas.microsoft.com/office/drawing/2014/main" id="{A558D9F3-34D4-4DD6-88FC-CE4725DE1181}"/>
               </a:ext>
             </a:extLst>
           </p:cNvPr>
@@ -5148,15 +5036,15 @@
           <p:nvPr/>
         </p:nvPicPr>
         <p:blipFill>
-          <a:blip r:embed="rId3"/>
+          <a:blip r:embed="rId4"/>
           <a:stretch>
             <a:fillRect/>
           </a:stretch>
         </p:blipFill>
         <p:spPr>
           <a:xfrm>
-            <a:off x="986395" y="1734078"/>
-            <a:ext cx="4572505" cy="2055214"/>
+            <a:off x="758301" y="4216961"/>
+            <a:ext cx="5181600" cy="1960002"/>
           </a:xfrm>
           <a:prstGeom prst="rect">
             <a:avLst/>
@@ -5165,107 +5053,50 @@
       </p:pic>
       <p:sp>
         <p:nvSpPr>
-          <p:cNvPr id="11" name="Content Placeholder 10">
-            <a:extLst>
-              <a:ext uri="{FF2B5EF4-FFF2-40B4-BE49-F238E27FC236}">
-                <a16:creationId xmlns:a16="http://schemas.microsoft.com/office/drawing/2014/main" id="{D079A2E5-7303-432E-9559-2693ED5FFD94}"/>
-              </a:ext>
-            </a:extLst>
-          </p:cNvPr>
-          <p:cNvSpPr>
-            <a:spLocks noGrp="1"/>
-          </p:cNvSpPr>
-          <p:nvPr>
-            <p:ph sz="half" idx="2"/>
-          </p:nvPr>
+          <p:cNvPr id="8" name="TextBox 7">
+            <a:extLst>
+              <a:ext uri="{FF2B5EF4-FFF2-40B4-BE49-F238E27FC236}">
+                <a16:creationId xmlns:a16="http://schemas.microsoft.com/office/drawing/2014/main" id="{0F47ABA1-9D11-4076-9C3D-1FE7C6A96E95}"/>
+              </a:ext>
+            </a:extLst>
+          </p:cNvPr>
+          <p:cNvSpPr txBox="1"/>
+          <p:nvPr/>
         </p:nvSpPr>
         <p:spPr>
           <a:xfrm>
-            <a:off x="5936201" y="1613623"/>
-            <a:ext cx="5871100" cy="4351338"/>
+            <a:off x="614779" y="1864468"/>
+            <a:ext cx="5903650" cy="646331"/>
           </a:xfrm>
+          <a:prstGeom prst="rect">
+            <a:avLst/>
+          </a:prstGeom>
+          <a:noFill/>
         </p:spPr>
         <p:txBody>
-          <a:bodyPr>
-            <a:normAutofit/>
+          <a:bodyPr wrap="square">
+            <a:spAutoFit/>
           </a:bodyPr>
           <a:lstStyle/>
           <a:p>
-            <a:pPr indent="0">
-              <a:lnSpc>
-                <a:spcPct val="110000"/>
-              </a:lnSpc>
-              <a:spcAft>
-                <a:spcPts val="600"/>
-              </a:spcAft>
-              <a:buNone/>
-            </a:pPr>
-            <a:r>
-              <a:rPr lang="en-IN" sz="1800" dirty="0">
-                <a:solidFill>
-                  <a:schemeClr val="bg1">
-                    <a:lumMod val="95000"/>
-                  </a:schemeClr>
-                </a:solidFill>
-                <a:effectLst/>
-                <a:latin typeface="Century Gothic" panose="020B0502020202020204" pitchFamily="34" charset="0"/>
-                <a:ea typeface="Calibri" panose="020F0502020204030204" pitchFamily="34" charset="0"/>
-                <a:cs typeface="Mangal" panose="02040503050203030202" pitchFamily="18" charset="0"/>
-              </a:rPr>
-              <a:t>We used the </a:t>
-            </a:r>
-            <a:r>
-              <a:rPr lang="en-IN" sz="1800" dirty="0" err="1">
-                <a:solidFill>
-                  <a:schemeClr val="bg1">
-                    <a:lumMod val="95000"/>
-                  </a:schemeClr>
-                </a:solidFill>
-                <a:effectLst/>
-                <a:latin typeface="Century Gothic" panose="020B0502020202020204" pitchFamily="34" charset="0"/>
-                <a:ea typeface="Calibri" panose="020F0502020204030204" pitchFamily="34" charset="0"/>
-                <a:cs typeface="Mangal" panose="02040503050203030202" pitchFamily="18" charset="0"/>
-              </a:rPr>
-              <a:t>Mairesse</a:t>
-            </a:r>
-            <a:r>
-              <a:rPr lang="en-IN" sz="1800" dirty="0">
-                <a:solidFill>
-                  <a:schemeClr val="bg1">
-                    <a:lumMod val="95000"/>
-                  </a:schemeClr>
-                </a:solidFill>
-                <a:effectLst/>
-                <a:latin typeface="Century Gothic" panose="020B0502020202020204" pitchFamily="34" charset="0"/>
-                <a:ea typeface="Calibri" panose="020F0502020204030204" pitchFamily="34" charset="0"/>
-                <a:cs typeface="Mangal" panose="02040503050203030202" pitchFamily="18" charset="0"/>
-              </a:rPr>
-              <a:t> baseline feature set (10*85), which includes such global features as the word count and average sentence length. We append the author id with this set to uniquely identify the columns. We rename the columns for better understanding.</a:t>
-            </a:r>
-            <a:endParaRPr lang="en-IN" sz="1800" dirty="0">
-              <a:solidFill>
-                <a:schemeClr val="bg1">
-                  <a:lumMod val="95000"/>
-                </a:schemeClr>
-              </a:solidFill>
-              <a:effectLst/>
-              <a:latin typeface="Century Gothic" panose="020B0502020202020204" pitchFamily="34" charset="0"/>
-              <a:ea typeface="Times New Roman" panose="02020603050405020304" pitchFamily="18" charset="0"/>
-              <a:cs typeface="Mangal" panose="02040503050203030202" pitchFamily="18" charset="0"/>
-            </a:endParaRPr>
-          </a:p>
-          <a:p>
-            <a:pPr marL="0" indent="0">
-              <a:buNone/>
-            </a:pPr>
-            <a:endParaRPr lang="en-IN" dirty="0"/>
+            <a:r>
+              <a:rPr lang="en-IN" dirty="0">
+                <a:solidFill>
+                  <a:schemeClr val="bg1">
+                    <a:lumMod val="95000"/>
+                  </a:schemeClr>
+                </a:solidFill>
+                <a:latin typeface="Century Gothic" panose="020B0502020202020204" pitchFamily="34" charset="0"/>
+              </a:rPr>
+              <a:t>Converting 5 personality columns( corresponding to 5 bits) to a single column (decimal value).</a:t>
+            </a:r>
           </a:p>
         </p:txBody>
       </p:sp>
     </p:spTree>
     <p:extLst>
       <p:ext uri="{BB962C8B-B14F-4D97-AF65-F5344CB8AC3E}">
-        <p14:creationId xmlns:p14="http://schemas.microsoft.com/office/powerpoint/2010/main" val="1526397320"/>
+        <p14:creationId xmlns:p14="http://schemas.microsoft.com/office/powerpoint/2010/main" val="1878590847"/>
       </p:ext>
     </p:extLst>
   </p:cSld>
@@ -5309,7 +5140,7 @@
           <p:cNvPr id="2" name="Title 1">
             <a:extLst>
               <a:ext uri="{FF2B5EF4-FFF2-40B4-BE49-F238E27FC236}">
-                <a16:creationId xmlns:a16="http://schemas.microsoft.com/office/drawing/2014/main" id="{E075B440-97BE-47CD-B5A2-9EE96E2E3485}"/>
+                <a16:creationId xmlns:a16="http://schemas.microsoft.com/office/drawing/2014/main" id="{801CCFA5-8ADA-448D-B8C3-C08C6A9E4E8E}"/>
               </a:ext>
             </a:extLst>
           </p:cNvPr>
@@ -5342,10 +5173,10 @@
       </p:sp>
       <p:pic>
         <p:nvPicPr>
-          <p:cNvPr id="10" name="Content Placeholder 9">
-            <a:extLst>
-              <a:ext uri="{FF2B5EF4-FFF2-40B4-BE49-F238E27FC236}">
-                <a16:creationId xmlns:a16="http://schemas.microsoft.com/office/drawing/2014/main" id="{B88F852F-78DF-4238-BF79-58A5BA675B93}"/>
+          <p:cNvPr id="6" name="Content Placeholder 5">
+            <a:extLst>
+              <a:ext uri="{FF2B5EF4-FFF2-40B4-BE49-F238E27FC236}">
+                <a16:creationId xmlns:a16="http://schemas.microsoft.com/office/drawing/2014/main" id="{53D9EEC0-9542-4B7C-9167-2C3E9AF89A04}"/>
               </a:ext>
             </a:extLst>
           </p:cNvPr>
@@ -5353,7 +5184,7 @@
             <a:picLocks noGrp="1" noChangeAspect="1"/>
           </p:cNvPicPr>
           <p:nvPr>
-            <p:ph sz="half" idx="2"/>
+            <p:ph sz="half" idx="1"/>
           </p:nvPr>
         </p:nvPicPr>
         <p:blipFill>
@@ -5364,107 +5195,165 @@
         </p:blipFill>
         <p:spPr>
           <a:xfrm>
-            <a:off x="6518429" y="1966913"/>
-            <a:ext cx="5181600" cy="4210050"/>
+            <a:off x="838200" y="2061060"/>
+            <a:ext cx="5181600" cy="3880468"/>
           </a:xfrm>
-        </p:spPr>
-      </p:pic>
-      <p:pic>
-        <p:nvPicPr>
-          <p:cNvPr id="5" name="Content Placeholder 7">
-            <a:extLst>
-              <a:ext uri="{FF2B5EF4-FFF2-40B4-BE49-F238E27FC236}">
-                <a16:creationId xmlns:a16="http://schemas.microsoft.com/office/drawing/2014/main" id="{34124A0A-26A5-450E-8F5B-B824CB98F907}"/>
-              </a:ext>
-            </a:extLst>
-          </p:cNvPr>
-          <p:cNvPicPr>
-            <a:picLocks noGrp="1" noChangeAspect="1"/>
-          </p:cNvPicPr>
-          <p:nvPr>
-            <p:ph sz="half" idx="1"/>
-          </p:nvPr>
-        </p:nvPicPr>
-        <p:blipFill rotWithShape="1">
-          <a:blip r:embed="rId3"/>
-          <a:srcRect r="23583"/>
-          <a:stretch/>
-        </p:blipFill>
-        <p:spPr>
-          <a:xfrm>
-            <a:off x="758301" y="3079520"/>
-            <a:ext cx="5181600" cy="1137441"/>
-          </a:xfrm>
-        </p:spPr>
-      </p:pic>
-      <p:pic>
-        <p:nvPicPr>
-          <p:cNvPr id="6" name="Picture 5">
-            <a:extLst>
-              <a:ext uri="{FF2B5EF4-FFF2-40B4-BE49-F238E27FC236}">
-                <a16:creationId xmlns:a16="http://schemas.microsoft.com/office/drawing/2014/main" id="{A558D9F3-34D4-4DD6-88FC-CE4725DE1181}"/>
-              </a:ext>
-            </a:extLst>
-          </p:cNvPr>
-          <p:cNvPicPr>
-            <a:picLocks noChangeAspect="1"/>
-          </p:cNvPicPr>
-          <p:nvPr/>
-        </p:nvPicPr>
-        <p:blipFill>
-          <a:blip r:embed="rId4"/>
-          <a:stretch>
-            <a:fillRect/>
-          </a:stretch>
-        </p:blipFill>
-        <p:spPr>
-          <a:xfrm>
-            <a:off x="758301" y="4216961"/>
-            <a:ext cx="5181600" cy="1960002"/>
-          </a:xfrm>
-          <a:prstGeom prst="rect">
-            <a:avLst/>
-          </a:prstGeom>
         </p:spPr>
       </p:pic>
       <p:sp>
         <p:nvSpPr>
-          <p:cNvPr id="8" name="TextBox 7">
-            <a:extLst>
-              <a:ext uri="{FF2B5EF4-FFF2-40B4-BE49-F238E27FC236}">
-                <a16:creationId xmlns:a16="http://schemas.microsoft.com/office/drawing/2014/main" id="{0F47ABA1-9D11-4076-9C3D-1FE7C6A96E95}"/>
-              </a:ext>
-            </a:extLst>
-          </p:cNvPr>
-          <p:cNvSpPr txBox="1"/>
-          <p:nvPr/>
+          <p:cNvPr id="7" name="Content Placeholder 6">
+            <a:extLst>
+              <a:ext uri="{FF2B5EF4-FFF2-40B4-BE49-F238E27FC236}">
+                <a16:creationId xmlns:a16="http://schemas.microsoft.com/office/drawing/2014/main" id="{3E919220-132F-4114-9670-B4833A4F8D9A}"/>
+              </a:ext>
+            </a:extLst>
+          </p:cNvPr>
+          <p:cNvSpPr>
+            <a:spLocks noGrp="1"/>
+          </p:cNvSpPr>
+          <p:nvPr>
+            <p:ph sz="half" idx="2"/>
+          </p:nvPr>
         </p:nvSpPr>
         <p:spPr>
           <a:xfrm>
-            <a:off x="614779" y="1864468"/>
-            <a:ext cx="5903650" cy="646331"/>
+            <a:off x="6172202" y="2506662"/>
+            <a:ext cx="5181600" cy="4351338"/>
           </a:xfrm>
-          <a:prstGeom prst="rect">
-            <a:avLst/>
-          </a:prstGeom>
-          <a:noFill/>
         </p:spPr>
         <p:txBody>
-          <a:bodyPr wrap="square">
-            <a:spAutoFit/>
+          <a:bodyPr>
+            <a:normAutofit/>
           </a:bodyPr>
           <a:lstStyle/>
           <a:p>
-            <a:r>
-              <a:rPr lang="en-IN" dirty="0">
-                <a:solidFill>
-                  <a:schemeClr val="bg1">
-                    <a:lumMod val="95000"/>
-                  </a:schemeClr>
-                </a:solidFill>
-                <a:latin typeface="Century Gothic" panose="020B0502020202020204" pitchFamily="34" charset="0"/>
-              </a:rPr>
-              <a:t>Converting 5 personality columns( corresponding to 5 bits) to a single column (decimal value).</a:t>
+            <a:pPr marL="0" indent="0">
+              <a:buNone/>
+            </a:pPr>
+            <a:r>
+              <a:rPr lang="en-IN" sz="1800" dirty="0">
+                <a:solidFill>
+                  <a:schemeClr val="bg1">
+                    <a:lumMod val="95000"/>
+                  </a:schemeClr>
+                </a:solidFill>
+                <a:latin typeface="Century Gothic" panose="020B0502020202020204" pitchFamily="34" charset="0"/>
+              </a:rPr>
+              <a:t>ANN (Artificial Neural Network) model creation.</a:t>
+            </a:r>
+          </a:p>
+          <a:p>
+            <a:pPr marL="0" indent="0">
+              <a:buNone/>
+            </a:pPr>
+            <a:r>
+              <a:rPr lang="en-IN" sz="1800" dirty="0" err="1">
+                <a:solidFill>
+                  <a:schemeClr val="bg1">
+                    <a:lumMod val="95000"/>
+                  </a:schemeClr>
+                </a:solidFill>
+                <a:latin typeface="Century Gothic" panose="020B0502020202020204" pitchFamily="34" charset="0"/>
+              </a:rPr>
+              <a:t>Tensorflow</a:t>
+            </a:r>
+            <a:r>
+              <a:rPr lang="en-IN" sz="1800" dirty="0">
+                <a:solidFill>
+                  <a:schemeClr val="bg1">
+                    <a:lumMod val="95000"/>
+                  </a:schemeClr>
+                </a:solidFill>
+                <a:latin typeface="Century Gothic" panose="020B0502020202020204" pitchFamily="34" charset="0"/>
+              </a:rPr>
+              <a:t> and </a:t>
+            </a:r>
+            <a:r>
+              <a:rPr lang="en-IN" sz="1800" dirty="0" err="1">
+                <a:solidFill>
+                  <a:schemeClr val="bg1">
+                    <a:lumMod val="95000"/>
+                  </a:schemeClr>
+                </a:solidFill>
+                <a:latin typeface="Century Gothic" panose="020B0502020202020204" pitchFamily="34" charset="0"/>
+              </a:rPr>
+              <a:t>Keras</a:t>
+            </a:r>
+            <a:r>
+              <a:rPr lang="en-IN" sz="1800" dirty="0">
+                <a:solidFill>
+                  <a:schemeClr val="bg1">
+                    <a:lumMod val="95000"/>
+                  </a:schemeClr>
+                </a:solidFill>
+                <a:latin typeface="Century Gothic" panose="020B0502020202020204" pitchFamily="34" charset="0"/>
+              </a:rPr>
+              <a:t> are used for this model creation.</a:t>
+            </a:r>
+          </a:p>
+          <a:p>
+            <a:pPr marL="0" indent="0">
+              <a:buNone/>
+            </a:pPr>
+            <a:r>
+              <a:rPr lang="en-IN" sz="1800" dirty="0">
+                <a:solidFill>
+                  <a:schemeClr val="bg1">
+                    <a:lumMod val="95000"/>
+                  </a:schemeClr>
+                </a:solidFill>
+                <a:latin typeface="Century Gothic" panose="020B0502020202020204" pitchFamily="34" charset="0"/>
+              </a:rPr>
+              <a:t>1 input layer</a:t>
+            </a:r>
+          </a:p>
+          <a:p>
+            <a:pPr marL="0" indent="0">
+              <a:buNone/>
+            </a:pPr>
+            <a:r>
+              <a:rPr lang="en-IN" sz="1800" dirty="0">
+                <a:solidFill>
+                  <a:schemeClr val="bg1">
+                    <a:lumMod val="95000"/>
+                  </a:schemeClr>
+                </a:solidFill>
+                <a:latin typeface="Century Gothic" panose="020B0502020202020204" pitchFamily="34" charset="0"/>
+              </a:rPr>
+              <a:t>2 hidden layers</a:t>
+            </a:r>
+          </a:p>
+          <a:p>
+            <a:pPr marL="0" indent="0">
+              <a:buNone/>
+            </a:pPr>
+            <a:r>
+              <a:rPr lang="en-IN" sz="1800" dirty="0">
+                <a:solidFill>
+                  <a:schemeClr val="bg1">
+                    <a:lumMod val="95000"/>
+                  </a:schemeClr>
+                </a:solidFill>
+                <a:latin typeface="Century Gothic" panose="020B0502020202020204" pitchFamily="34" charset="0"/>
+              </a:rPr>
+              <a:t>1 output layer</a:t>
+            </a:r>
+          </a:p>
+          <a:p>
+            <a:pPr marL="0" indent="0">
+              <a:buNone/>
+            </a:pPr>
+            <a:r>
+              <a:rPr lang="en-IN" sz="1800" dirty="0">
+                <a:solidFill>
+                  <a:schemeClr val="bg1">
+                    <a:lumMod val="95000"/>
+                  </a:schemeClr>
+                </a:solidFill>
+                <a:latin typeface="Century Gothic" panose="020B0502020202020204" pitchFamily="34" charset="0"/>
+              </a:rPr>
+              <a:t>This is a 84-50-50-32 network.</a:t>
             </a:r>
           </a:p>
         </p:txBody>
@@ -5472,7 +5361,7 @@
     </p:spTree>
     <p:extLst>
       <p:ext uri="{BB962C8B-B14F-4D97-AF65-F5344CB8AC3E}">
-        <p14:creationId xmlns:p14="http://schemas.microsoft.com/office/powerpoint/2010/main" val="1878590847"/>
+        <p14:creationId xmlns:p14="http://schemas.microsoft.com/office/powerpoint/2010/main" val="743141309"/>
       </p:ext>
     </p:extLst>
   </p:cSld>
@@ -5516,271 +5405,6 @@
           <p:cNvPr id="2" name="Title 1">
             <a:extLst>
               <a:ext uri="{FF2B5EF4-FFF2-40B4-BE49-F238E27FC236}">
-                <a16:creationId xmlns:a16="http://schemas.microsoft.com/office/drawing/2014/main" id="{801CCFA5-8ADA-448D-B8C3-C08C6A9E4E8E}"/>
-              </a:ext>
-            </a:extLst>
-          </p:cNvPr>
-          <p:cNvSpPr>
-            <a:spLocks noGrp="1"/>
-          </p:cNvSpPr>
-          <p:nvPr>
-            <p:ph type="title"/>
-          </p:nvPr>
-        </p:nvSpPr>
-        <p:spPr/>
-        <p:txBody>
-          <a:bodyPr/>
-          <a:lstStyle/>
-          <a:p>
-            <a:r>
-              <a:rPr lang="en-IN" dirty="0">
-                <a:solidFill>
-                  <a:schemeClr val="bg1">
-                    <a:lumMod val="95000"/>
-                  </a:schemeClr>
-                </a:solidFill>
-                <a:latin typeface="Century Gothic" panose="020B0502020202020204" pitchFamily="34" charset="0"/>
-              </a:rPr>
-              <a:t>Approach 2 – Deep Learning</a:t>
-            </a:r>
-            <a:endParaRPr lang="en-IN" dirty="0"/>
-          </a:p>
-        </p:txBody>
-      </p:sp>
-      <p:pic>
-        <p:nvPicPr>
-          <p:cNvPr id="6" name="Content Placeholder 5">
-            <a:extLst>
-              <a:ext uri="{FF2B5EF4-FFF2-40B4-BE49-F238E27FC236}">
-                <a16:creationId xmlns:a16="http://schemas.microsoft.com/office/drawing/2014/main" id="{53D9EEC0-9542-4B7C-9167-2C3E9AF89A04}"/>
-              </a:ext>
-            </a:extLst>
-          </p:cNvPr>
-          <p:cNvPicPr>
-            <a:picLocks noGrp="1" noChangeAspect="1"/>
-          </p:cNvPicPr>
-          <p:nvPr>
-            <p:ph sz="half" idx="1"/>
-          </p:nvPr>
-        </p:nvPicPr>
-        <p:blipFill>
-          <a:blip r:embed="rId2"/>
-          <a:stretch>
-            <a:fillRect/>
-          </a:stretch>
-        </p:blipFill>
-        <p:spPr>
-          <a:xfrm>
-            <a:off x="838200" y="2061060"/>
-            <a:ext cx="5181600" cy="3880468"/>
-          </a:xfrm>
-        </p:spPr>
-      </p:pic>
-      <p:sp>
-        <p:nvSpPr>
-          <p:cNvPr id="7" name="Content Placeholder 6">
-            <a:extLst>
-              <a:ext uri="{FF2B5EF4-FFF2-40B4-BE49-F238E27FC236}">
-                <a16:creationId xmlns:a16="http://schemas.microsoft.com/office/drawing/2014/main" id="{3E919220-132F-4114-9670-B4833A4F8D9A}"/>
-              </a:ext>
-            </a:extLst>
-          </p:cNvPr>
-          <p:cNvSpPr>
-            <a:spLocks noGrp="1"/>
-          </p:cNvSpPr>
-          <p:nvPr>
-            <p:ph sz="half" idx="2"/>
-          </p:nvPr>
-        </p:nvSpPr>
-        <p:spPr>
-          <a:xfrm>
-            <a:off x="6172202" y="2506662"/>
-            <a:ext cx="5181600" cy="4351338"/>
-          </a:xfrm>
-        </p:spPr>
-        <p:txBody>
-          <a:bodyPr>
-            <a:normAutofit/>
-          </a:bodyPr>
-          <a:lstStyle/>
-          <a:p>
-            <a:pPr marL="0" indent="0">
-              <a:buNone/>
-            </a:pPr>
-            <a:r>
-              <a:rPr lang="en-IN" sz="1800" dirty="0">
-                <a:solidFill>
-                  <a:schemeClr val="bg1">
-                    <a:lumMod val="95000"/>
-                  </a:schemeClr>
-                </a:solidFill>
-                <a:latin typeface="Century Gothic" panose="020B0502020202020204" pitchFamily="34" charset="0"/>
-              </a:rPr>
-              <a:t>ANN (Artificial Neural Network) model creation.</a:t>
-            </a:r>
-          </a:p>
-          <a:p>
-            <a:pPr marL="0" indent="0">
-              <a:buNone/>
-            </a:pPr>
-            <a:r>
-              <a:rPr lang="en-IN" sz="1800" dirty="0" err="1">
-                <a:solidFill>
-                  <a:schemeClr val="bg1">
-                    <a:lumMod val="95000"/>
-                  </a:schemeClr>
-                </a:solidFill>
-                <a:latin typeface="Century Gothic" panose="020B0502020202020204" pitchFamily="34" charset="0"/>
-              </a:rPr>
-              <a:t>Tensorflow</a:t>
-            </a:r>
-            <a:r>
-              <a:rPr lang="en-IN" sz="1800" dirty="0">
-                <a:solidFill>
-                  <a:schemeClr val="bg1">
-                    <a:lumMod val="95000"/>
-                  </a:schemeClr>
-                </a:solidFill>
-                <a:latin typeface="Century Gothic" panose="020B0502020202020204" pitchFamily="34" charset="0"/>
-              </a:rPr>
-              <a:t> and </a:t>
-            </a:r>
-            <a:r>
-              <a:rPr lang="en-IN" sz="1800" dirty="0" err="1">
-                <a:solidFill>
-                  <a:schemeClr val="bg1">
-                    <a:lumMod val="95000"/>
-                  </a:schemeClr>
-                </a:solidFill>
-                <a:latin typeface="Century Gothic" panose="020B0502020202020204" pitchFamily="34" charset="0"/>
-              </a:rPr>
-              <a:t>Keras</a:t>
-            </a:r>
-            <a:r>
-              <a:rPr lang="en-IN" sz="1800" dirty="0">
-                <a:solidFill>
-                  <a:schemeClr val="bg1">
-                    <a:lumMod val="95000"/>
-                  </a:schemeClr>
-                </a:solidFill>
-                <a:latin typeface="Century Gothic" panose="020B0502020202020204" pitchFamily="34" charset="0"/>
-              </a:rPr>
-              <a:t> are used for this model creation.</a:t>
-            </a:r>
-          </a:p>
-          <a:p>
-            <a:pPr marL="0" indent="0">
-              <a:buNone/>
-            </a:pPr>
-            <a:r>
-              <a:rPr lang="en-IN" sz="1800" dirty="0">
-                <a:solidFill>
-                  <a:schemeClr val="bg1">
-                    <a:lumMod val="95000"/>
-                  </a:schemeClr>
-                </a:solidFill>
-                <a:latin typeface="Century Gothic" panose="020B0502020202020204" pitchFamily="34" charset="0"/>
-              </a:rPr>
-              <a:t>1 input layer</a:t>
-            </a:r>
-          </a:p>
-          <a:p>
-            <a:pPr marL="0" indent="0">
-              <a:buNone/>
-            </a:pPr>
-            <a:r>
-              <a:rPr lang="en-IN" sz="1800" dirty="0">
-                <a:solidFill>
-                  <a:schemeClr val="bg1">
-                    <a:lumMod val="95000"/>
-                  </a:schemeClr>
-                </a:solidFill>
-                <a:latin typeface="Century Gothic" panose="020B0502020202020204" pitchFamily="34" charset="0"/>
-              </a:rPr>
-              <a:t>2 hidden layers</a:t>
-            </a:r>
-          </a:p>
-          <a:p>
-            <a:pPr marL="0" indent="0">
-              <a:buNone/>
-            </a:pPr>
-            <a:r>
-              <a:rPr lang="en-IN" sz="1800" dirty="0">
-                <a:solidFill>
-                  <a:schemeClr val="bg1">
-                    <a:lumMod val="95000"/>
-                  </a:schemeClr>
-                </a:solidFill>
-                <a:latin typeface="Century Gothic" panose="020B0502020202020204" pitchFamily="34" charset="0"/>
-              </a:rPr>
-              <a:t>1 output layer</a:t>
-            </a:r>
-          </a:p>
-          <a:p>
-            <a:pPr marL="0" indent="0">
-              <a:buNone/>
-            </a:pPr>
-            <a:r>
-              <a:rPr lang="en-IN" sz="1800" dirty="0">
-                <a:solidFill>
-                  <a:schemeClr val="bg1">
-                    <a:lumMod val="95000"/>
-                  </a:schemeClr>
-                </a:solidFill>
-                <a:latin typeface="Century Gothic" panose="020B0502020202020204" pitchFamily="34" charset="0"/>
-              </a:rPr>
-              <a:t>This is a 84-50-50-32 network.</a:t>
-            </a:r>
-          </a:p>
-        </p:txBody>
-      </p:sp>
-    </p:spTree>
-    <p:extLst>
-      <p:ext uri="{BB962C8B-B14F-4D97-AF65-F5344CB8AC3E}">
-        <p14:creationId xmlns:p14="http://schemas.microsoft.com/office/powerpoint/2010/main" val="743141309"/>
-      </p:ext>
-    </p:extLst>
-  </p:cSld>
-  <p:clrMapOvr>
-    <a:masterClrMapping/>
-  </p:clrMapOvr>
-  <mc:AlternateContent xmlns:mc="http://schemas.openxmlformats.org/markup-compatibility/2006" xmlns:p14="http://schemas.microsoft.com/office/powerpoint/2010/main">
-    <mc:Choice Requires="p14">
-      <p:transition spd="med" p14:dur="700">
-        <p:fade/>
-      </p:transition>
-    </mc:Choice>
-    <mc:Fallback xmlns="">
-      <p:transition spd="med">
-        <p:fade/>
-      </p:transition>
-    </mc:Fallback>
-  </mc:AlternateContent>
-</p:sld>
-</file>
-
-<file path=ppt/slides/slide13.xml><?xml version="1.0" encoding="utf-8"?>
-<p:sld xmlns:a="http://schemas.openxmlformats.org/drawingml/2006/main" xmlns:r="http://schemas.openxmlformats.org/officeDocument/2006/relationships" xmlns:p="http://schemas.openxmlformats.org/presentationml/2006/main">
-  <p:cSld>
-    <p:spTree>
-      <p:nvGrpSpPr>
-        <p:cNvPr id="1" name=""/>
-        <p:cNvGrpSpPr/>
-        <p:nvPr/>
-      </p:nvGrpSpPr>
-      <p:grpSpPr>
-        <a:xfrm>
-          <a:off x="0" y="0"/>
-          <a:ext cx="0" cy="0"/>
-          <a:chOff x="0" y="0"/>
-          <a:chExt cx="0" cy="0"/>
-        </a:xfrm>
-      </p:grpSpPr>
-      <p:sp>
-        <p:nvSpPr>
-          <p:cNvPr id="2" name="Title 1">
-            <a:extLst>
-              <a:ext uri="{FF2B5EF4-FFF2-40B4-BE49-F238E27FC236}">
                 <a16:creationId xmlns:a16="http://schemas.microsoft.com/office/drawing/2014/main" id="{A587EFAB-F617-4891-B5D7-1920B18C1EE1}"/>
               </a:ext>
             </a:extLst>
@@ -5964,1065 +5588,7 @@
 </p:sld>
 </file>
 
-<file path=ppt/slides/slide14.xml><?xml version="1.0" encoding="utf-8"?>
-<p:sld xmlns:a="http://schemas.openxmlformats.org/drawingml/2006/main" xmlns:r="http://schemas.openxmlformats.org/officeDocument/2006/relationships" xmlns:p="http://schemas.openxmlformats.org/presentationml/2006/main">
-  <p:cSld>
-    <p:spTree>
-      <p:nvGrpSpPr>
-        <p:cNvPr id="1" name=""/>
-        <p:cNvGrpSpPr/>
-        <p:nvPr/>
-      </p:nvGrpSpPr>
-      <p:grpSpPr>
-        <a:xfrm>
-          <a:off x="0" y="0"/>
-          <a:ext cx="0" cy="0"/>
-          <a:chOff x="0" y="0"/>
-          <a:chExt cx="0" cy="0"/>
-        </a:xfrm>
-      </p:grpSpPr>
-      <p:sp>
-        <p:nvSpPr>
-          <p:cNvPr id="2" name="Title 1">
-            <a:extLst>
-              <a:ext uri="{FF2B5EF4-FFF2-40B4-BE49-F238E27FC236}">
-                <a16:creationId xmlns:a16="http://schemas.microsoft.com/office/drawing/2014/main" id="{D9C63E83-7FEB-FF29-69E2-E21E226F1759}"/>
-              </a:ext>
-            </a:extLst>
-          </p:cNvPr>
-          <p:cNvSpPr>
-            <a:spLocks noGrp="1"/>
-          </p:cNvSpPr>
-          <p:nvPr>
-            <p:ph type="title"/>
-          </p:nvPr>
-        </p:nvSpPr>
-        <p:spPr/>
-        <p:txBody>
-          <a:bodyPr/>
-          <a:lstStyle/>
-          <a:p>
-            <a:r>
-              <a:rPr lang="en-IN" dirty="0">
-                <a:solidFill>
-                  <a:schemeClr val="bg1">
-                    <a:lumMod val="95000"/>
-                  </a:schemeClr>
-                </a:solidFill>
-                <a:latin typeface="Century Gothic" panose="020B0502020202020204" pitchFamily="34" charset="0"/>
-              </a:rPr>
-              <a:t>Approach 3 – SVM </a:t>
-            </a:r>
-          </a:p>
-        </p:txBody>
-      </p:sp>
-      <p:sp>
-        <p:nvSpPr>
-          <p:cNvPr id="3" name="Content Placeholder 2">
-            <a:extLst>
-              <a:ext uri="{FF2B5EF4-FFF2-40B4-BE49-F238E27FC236}">
-                <a16:creationId xmlns:a16="http://schemas.microsoft.com/office/drawing/2014/main" id="{38FD5EB8-8961-7E92-B9E0-5391EB5CC8EC}"/>
-              </a:ext>
-            </a:extLst>
-          </p:cNvPr>
-          <p:cNvSpPr>
-            <a:spLocks noGrp="1"/>
-          </p:cNvSpPr>
-          <p:nvPr>
-            <p:ph idx="1"/>
-          </p:nvPr>
-        </p:nvSpPr>
-        <p:spPr/>
-        <p:txBody>
-          <a:bodyPr/>
-          <a:lstStyle/>
-          <a:p>
-            <a:pPr marL="0" indent="0">
-              <a:buNone/>
-            </a:pPr>
-            <a:endParaRPr lang="en-IN" dirty="0"/>
-          </a:p>
-        </p:txBody>
-      </p:sp>
-      <p:sp>
-        <p:nvSpPr>
-          <p:cNvPr id="4" name="Title 1">
-            <a:extLst>
-              <a:ext uri="{FF2B5EF4-FFF2-40B4-BE49-F238E27FC236}">
-                <a16:creationId xmlns:a16="http://schemas.microsoft.com/office/drawing/2014/main" id="{0C2900F7-B904-AD5D-9C14-41A363C2113B}"/>
-              </a:ext>
-            </a:extLst>
-          </p:cNvPr>
-          <p:cNvSpPr txBox="1">
-            <a:spLocks/>
-          </p:cNvSpPr>
-          <p:nvPr/>
-        </p:nvSpPr>
-        <p:spPr>
-          <a:xfrm>
-            <a:off x="838200" y="365125"/>
-            <a:ext cx="10515600" cy="1325563"/>
-          </a:xfrm>
-          <a:prstGeom prst="rect">
-            <a:avLst/>
-          </a:prstGeom>
-        </p:spPr>
-        <p:txBody>
-          <a:bodyPr vert="horz" lIns="91440" tIns="45720" rIns="91440" bIns="45720" rtlCol="0" anchor="ctr">
-            <a:normAutofit/>
-          </a:bodyPr>
-          <a:lstStyle>
-            <a:lvl1pPr algn="l" defTabSz="914400" rtl="0" eaLnBrk="1" latinLnBrk="0" hangingPunct="1">
-              <a:lnSpc>
-                <a:spcPct val="90000"/>
-              </a:lnSpc>
-              <a:spcBef>
-                <a:spcPct val="0"/>
-              </a:spcBef>
-              <a:buNone/>
-              <a:defRPr sz="4400" kern="1200">
-                <a:solidFill>
-                  <a:schemeClr val="tx1"/>
-                </a:solidFill>
-                <a:latin typeface="+mj-lt"/>
-                <a:ea typeface="+mj-ea"/>
-                <a:cs typeface="+mj-cs"/>
-              </a:defRPr>
-            </a:lvl1pPr>
-          </a:lstStyle>
-          <a:p>
-            <a:r>
-              <a:rPr lang="en-IN" dirty="0">
-                <a:solidFill>
-                  <a:schemeClr val="bg1">
-                    <a:lumMod val="95000"/>
-                  </a:schemeClr>
-                </a:solidFill>
-                <a:latin typeface="Century Gothic" panose="020B0502020202020204" pitchFamily="34" charset="0"/>
-              </a:rPr>
-              <a:t>Approach</a:t>
-            </a:r>
-          </a:p>
-        </p:txBody>
-      </p:sp>
-      <p:sp>
-        <p:nvSpPr>
-          <p:cNvPr id="5" name="Content Placeholder 2">
-            <a:extLst>
-              <a:ext uri="{FF2B5EF4-FFF2-40B4-BE49-F238E27FC236}">
-                <a16:creationId xmlns:a16="http://schemas.microsoft.com/office/drawing/2014/main" id="{03A60E08-B12C-78F9-6012-621909D015C9}"/>
-              </a:ext>
-            </a:extLst>
-          </p:cNvPr>
-          <p:cNvSpPr txBox="1">
-            <a:spLocks/>
-          </p:cNvSpPr>
-          <p:nvPr/>
-        </p:nvSpPr>
-        <p:spPr>
-          <a:xfrm>
-            <a:off x="838200" y="1825625"/>
-            <a:ext cx="10515600" cy="4351338"/>
-          </a:xfrm>
-          <a:prstGeom prst="rect">
-            <a:avLst/>
-          </a:prstGeom>
-        </p:spPr>
-        <p:txBody>
-          <a:bodyPr vert="horz" lIns="91440" tIns="45720" rIns="91440" bIns="45720" rtlCol="0">
-            <a:normAutofit/>
-          </a:bodyPr>
-          <a:lstStyle>
-            <a:lvl1pPr marL="228600" indent="-228600" algn="l" defTabSz="914400" rtl="0" eaLnBrk="1" latinLnBrk="0" hangingPunct="1">
-              <a:lnSpc>
-                <a:spcPct val="90000"/>
-              </a:lnSpc>
-              <a:spcBef>
-                <a:spcPts val="1000"/>
-              </a:spcBef>
-              <a:buFont typeface="Arial" panose="020B0604020202020204" pitchFamily="34" charset="0"/>
-              <a:buChar char="•"/>
-              <a:defRPr sz="2800" kern="1200">
-                <a:solidFill>
-                  <a:schemeClr val="tx1"/>
-                </a:solidFill>
-                <a:latin typeface="+mn-lt"/>
-                <a:ea typeface="+mn-ea"/>
-                <a:cs typeface="+mn-cs"/>
-              </a:defRPr>
-            </a:lvl1pPr>
-            <a:lvl2pPr marL="685800" indent="-228600" algn="l" defTabSz="914400" rtl="0" eaLnBrk="1" latinLnBrk="0" hangingPunct="1">
-              <a:lnSpc>
-                <a:spcPct val="90000"/>
-              </a:lnSpc>
-              <a:spcBef>
-                <a:spcPts val="500"/>
-              </a:spcBef>
-              <a:buFont typeface="Arial" panose="020B0604020202020204" pitchFamily="34" charset="0"/>
-              <a:buChar char="•"/>
-              <a:defRPr sz="2400" kern="1200">
-                <a:solidFill>
-                  <a:schemeClr val="tx1"/>
-                </a:solidFill>
-                <a:latin typeface="+mn-lt"/>
-                <a:ea typeface="+mn-ea"/>
-                <a:cs typeface="+mn-cs"/>
-              </a:defRPr>
-            </a:lvl2pPr>
-            <a:lvl3pPr marL="1143000" indent="-228600" algn="l" defTabSz="914400" rtl="0" eaLnBrk="1" latinLnBrk="0" hangingPunct="1">
-              <a:lnSpc>
-                <a:spcPct val="90000"/>
-              </a:lnSpc>
-              <a:spcBef>
-                <a:spcPts val="500"/>
-              </a:spcBef>
-              <a:buFont typeface="Arial" panose="020B0604020202020204" pitchFamily="34" charset="0"/>
-              <a:buChar char="•"/>
-              <a:defRPr sz="2000" kern="1200">
-                <a:solidFill>
-                  <a:schemeClr val="tx1"/>
-                </a:solidFill>
-                <a:latin typeface="+mn-lt"/>
-                <a:ea typeface="+mn-ea"/>
-                <a:cs typeface="+mn-cs"/>
-              </a:defRPr>
-            </a:lvl3pPr>
-            <a:lvl4pPr marL="1600200" indent="-228600" algn="l" defTabSz="914400" rtl="0" eaLnBrk="1" latinLnBrk="0" hangingPunct="1">
-              <a:lnSpc>
-                <a:spcPct val="90000"/>
-              </a:lnSpc>
-              <a:spcBef>
-                <a:spcPts val="500"/>
-              </a:spcBef>
-              <a:buFont typeface="Arial" panose="020B0604020202020204" pitchFamily="34" charset="0"/>
-              <a:buChar char="•"/>
-              <a:defRPr sz="1800" kern="1200">
-                <a:solidFill>
-                  <a:schemeClr val="tx1"/>
-                </a:solidFill>
-                <a:latin typeface="+mn-lt"/>
-                <a:ea typeface="+mn-ea"/>
-                <a:cs typeface="+mn-cs"/>
-              </a:defRPr>
-            </a:lvl4pPr>
-            <a:lvl5pPr marL="2057400" indent="-228600" algn="l" defTabSz="914400" rtl="0" eaLnBrk="1" latinLnBrk="0" hangingPunct="1">
-              <a:lnSpc>
-                <a:spcPct val="90000"/>
-              </a:lnSpc>
-              <a:spcBef>
-                <a:spcPts val="500"/>
-              </a:spcBef>
-              <a:buFont typeface="Arial" panose="020B0604020202020204" pitchFamily="34" charset="0"/>
-              <a:buChar char="•"/>
-              <a:defRPr sz="1800" kern="1200">
-                <a:solidFill>
-                  <a:schemeClr val="tx1"/>
-                </a:solidFill>
-                <a:latin typeface="+mn-lt"/>
-                <a:ea typeface="+mn-ea"/>
-                <a:cs typeface="+mn-cs"/>
-              </a:defRPr>
-            </a:lvl5pPr>
-            <a:lvl6pPr marL="2514600" indent="-228600" algn="l" defTabSz="914400" rtl="0" eaLnBrk="1" latinLnBrk="0" hangingPunct="1">
-              <a:lnSpc>
-                <a:spcPct val="90000"/>
-              </a:lnSpc>
-              <a:spcBef>
-                <a:spcPts val="500"/>
-              </a:spcBef>
-              <a:buFont typeface="Arial" panose="020B0604020202020204" pitchFamily="34" charset="0"/>
-              <a:buChar char="•"/>
-              <a:defRPr sz="1800" kern="1200">
-                <a:solidFill>
-                  <a:schemeClr val="tx1"/>
-                </a:solidFill>
-                <a:latin typeface="+mn-lt"/>
-                <a:ea typeface="+mn-ea"/>
-                <a:cs typeface="+mn-cs"/>
-              </a:defRPr>
-            </a:lvl6pPr>
-            <a:lvl7pPr marL="2971800" indent="-228600" algn="l" defTabSz="914400" rtl="0" eaLnBrk="1" latinLnBrk="0" hangingPunct="1">
-              <a:lnSpc>
-                <a:spcPct val="90000"/>
-              </a:lnSpc>
-              <a:spcBef>
-                <a:spcPts val="500"/>
-              </a:spcBef>
-              <a:buFont typeface="Arial" panose="020B0604020202020204" pitchFamily="34" charset="0"/>
-              <a:buChar char="•"/>
-              <a:defRPr sz="1800" kern="1200">
-                <a:solidFill>
-                  <a:schemeClr val="tx1"/>
-                </a:solidFill>
-                <a:latin typeface="+mn-lt"/>
-                <a:ea typeface="+mn-ea"/>
-                <a:cs typeface="+mn-cs"/>
-              </a:defRPr>
-            </a:lvl7pPr>
-            <a:lvl8pPr marL="3429000" indent="-228600" algn="l" defTabSz="914400" rtl="0" eaLnBrk="1" latinLnBrk="0" hangingPunct="1">
-              <a:lnSpc>
-                <a:spcPct val="90000"/>
-              </a:lnSpc>
-              <a:spcBef>
-                <a:spcPts val="500"/>
-              </a:spcBef>
-              <a:buFont typeface="Arial" panose="020B0604020202020204" pitchFamily="34" charset="0"/>
-              <a:buChar char="•"/>
-              <a:defRPr sz="1800" kern="1200">
-                <a:solidFill>
-                  <a:schemeClr val="tx1"/>
-                </a:solidFill>
-                <a:latin typeface="+mn-lt"/>
-                <a:ea typeface="+mn-ea"/>
-                <a:cs typeface="+mn-cs"/>
-              </a:defRPr>
-            </a:lvl8pPr>
-            <a:lvl9pPr marL="3886200" indent="-228600" algn="l" defTabSz="914400" rtl="0" eaLnBrk="1" latinLnBrk="0" hangingPunct="1">
-              <a:lnSpc>
-                <a:spcPct val="90000"/>
-              </a:lnSpc>
-              <a:spcBef>
-                <a:spcPts val="500"/>
-              </a:spcBef>
-              <a:buFont typeface="Arial" panose="020B0604020202020204" pitchFamily="34" charset="0"/>
-              <a:buChar char="•"/>
-              <a:defRPr sz="1800" kern="1200">
-                <a:solidFill>
-                  <a:schemeClr val="tx1"/>
-                </a:solidFill>
-                <a:latin typeface="+mn-lt"/>
-                <a:ea typeface="+mn-ea"/>
-                <a:cs typeface="+mn-cs"/>
-              </a:defRPr>
-            </a:lvl9pPr>
-          </a:lstStyle>
-          <a:p>
-            <a:pPr marL="0" indent="0">
-              <a:buFont typeface="Arial" panose="020B0604020202020204" pitchFamily="34" charset="0"/>
-              <a:buNone/>
-            </a:pPr>
-            <a:r>
-              <a:rPr lang="en-IN" sz="1800">
-                <a:solidFill>
-                  <a:schemeClr val="bg1">
-                    <a:lumMod val="95000"/>
-                  </a:schemeClr>
-                </a:solidFill>
-                <a:latin typeface="Century Gothic" panose="020B0502020202020204" pitchFamily="34" charset="0"/>
-              </a:rPr>
-              <a:t>Remove special characters:			Making Bag of Words:</a:t>
-            </a:r>
-          </a:p>
-          <a:p>
-            <a:pPr marL="0" indent="0">
-              <a:buFont typeface="Arial" panose="020B0604020202020204" pitchFamily="34" charset="0"/>
-              <a:buNone/>
-            </a:pPr>
-            <a:endParaRPr lang="en-IN" sz="1800">
-              <a:solidFill>
-                <a:schemeClr val="bg1">
-                  <a:lumMod val="95000"/>
-                </a:schemeClr>
-              </a:solidFill>
-              <a:latin typeface="Century Gothic" panose="020B0502020202020204" pitchFamily="34" charset="0"/>
-            </a:endParaRPr>
-          </a:p>
-          <a:p>
-            <a:pPr marL="0" indent="0">
-              <a:buFont typeface="Arial" panose="020B0604020202020204" pitchFamily="34" charset="0"/>
-              <a:buNone/>
-            </a:pPr>
-            <a:r>
-              <a:rPr lang="en-IN" sz="1800">
-                <a:solidFill>
-                  <a:schemeClr val="bg1">
-                    <a:lumMod val="95000"/>
-                  </a:schemeClr>
-                </a:solidFill>
-                <a:latin typeface="Century Gothic" panose="020B0502020202020204" pitchFamily="34" charset="0"/>
-              </a:rPr>
-              <a:t>			</a:t>
-            </a:r>
-          </a:p>
-          <a:p>
-            <a:pPr marL="0" indent="0">
-              <a:buFont typeface="Arial" panose="020B0604020202020204" pitchFamily="34" charset="0"/>
-              <a:buNone/>
-            </a:pPr>
-            <a:endParaRPr lang="en-IN" sz="1800">
-              <a:solidFill>
-                <a:schemeClr val="bg1">
-                  <a:lumMod val="95000"/>
-                </a:schemeClr>
-              </a:solidFill>
-              <a:latin typeface="Century Gothic" panose="020B0502020202020204" pitchFamily="34" charset="0"/>
-            </a:endParaRPr>
-          </a:p>
-          <a:p>
-            <a:pPr marL="0" indent="0">
-              <a:buFont typeface="Arial" panose="020B0604020202020204" pitchFamily="34" charset="0"/>
-              <a:buNone/>
-            </a:pPr>
-            <a:r>
-              <a:rPr lang="en-IN" sz="1800">
-                <a:solidFill>
-                  <a:schemeClr val="bg1">
-                    <a:lumMod val="95000"/>
-                  </a:schemeClr>
-                </a:solidFill>
-                <a:latin typeface="Century Gothic" panose="020B0502020202020204" pitchFamily="34" charset="0"/>
-              </a:rPr>
-              <a:t>	</a:t>
-            </a:r>
-          </a:p>
-          <a:p>
-            <a:pPr marL="0" indent="0">
-              <a:buFont typeface="Arial" panose="020B0604020202020204" pitchFamily="34" charset="0"/>
-              <a:buNone/>
-            </a:pPr>
-            <a:endParaRPr lang="en-IN" sz="1800">
-              <a:solidFill>
-                <a:schemeClr val="bg1">
-                  <a:lumMod val="95000"/>
-                </a:schemeClr>
-              </a:solidFill>
-              <a:latin typeface="Century Gothic" panose="020B0502020202020204" pitchFamily="34" charset="0"/>
-            </a:endParaRPr>
-          </a:p>
-          <a:p>
-            <a:pPr marL="0" indent="0">
-              <a:buFont typeface="Arial" panose="020B0604020202020204" pitchFamily="34" charset="0"/>
-              <a:buNone/>
-            </a:pPr>
-            <a:endParaRPr lang="en-IN" sz="1800">
-              <a:solidFill>
-                <a:schemeClr val="bg1">
-                  <a:lumMod val="95000"/>
-                </a:schemeClr>
-              </a:solidFill>
-              <a:latin typeface="Century Gothic" panose="020B0502020202020204" pitchFamily="34" charset="0"/>
-            </a:endParaRPr>
-          </a:p>
-          <a:p>
-            <a:pPr marL="0" indent="0">
-              <a:buFont typeface="Arial" panose="020B0604020202020204" pitchFamily="34" charset="0"/>
-              <a:buNone/>
-            </a:pPr>
-            <a:r>
-              <a:rPr lang="en-IN" sz="1800">
-                <a:solidFill>
-                  <a:schemeClr val="bg1">
-                    <a:lumMod val="95000"/>
-                  </a:schemeClr>
-                </a:solidFill>
-                <a:latin typeface="Century Gothic" panose="020B0502020202020204" pitchFamily="34" charset="0"/>
-              </a:rPr>
-              <a:t>						</a:t>
-            </a:r>
-          </a:p>
-          <a:p>
-            <a:pPr marL="0" indent="0">
-              <a:buFont typeface="Arial" panose="020B0604020202020204" pitchFamily="34" charset="0"/>
-              <a:buNone/>
-            </a:pPr>
-            <a:r>
-              <a:rPr lang="en-IN" sz="1800">
-                <a:solidFill>
-                  <a:schemeClr val="bg1">
-                    <a:lumMod val="95000"/>
-                  </a:schemeClr>
-                </a:solidFill>
-                <a:latin typeface="Century Gothic" panose="020B0502020202020204" pitchFamily="34" charset="0"/>
-              </a:rPr>
-              <a:t>						Vectorization:</a:t>
-            </a:r>
-            <a:endParaRPr lang="en-IN" sz="1800" dirty="0">
-              <a:solidFill>
-                <a:schemeClr val="bg1">
-                  <a:lumMod val="95000"/>
-                </a:schemeClr>
-              </a:solidFill>
-              <a:latin typeface="Century Gothic" panose="020B0502020202020204" pitchFamily="34" charset="0"/>
-            </a:endParaRPr>
-          </a:p>
-        </p:txBody>
-      </p:sp>
-      <p:pic>
-        <p:nvPicPr>
-          <p:cNvPr id="6" name="Picture 5">
-            <a:extLst>
-              <a:ext uri="{FF2B5EF4-FFF2-40B4-BE49-F238E27FC236}">
-                <a16:creationId xmlns:a16="http://schemas.microsoft.com/office/drawing/2014/main" id="{08CEE58B-28E8-810C-C54D-E128DBC3003E}"/>
-              </a:ext>
-            </a:extLst>
-          </p:cNvPr>
-          <p:cNvPicPr>
-            <a:picLocks noChangeAspect="1"/>
-          </p:cNvPicPr>
-          <p:nvPr/>
-        </p:nvPicPr>
-        <p:blipFill>
-          <a:blip r:embed="rId2"/>
-          <a:stretch>
-            <a:fillRect/>
-          </a:stretch>
-        </p:blipFill>
-        <p:spPr>
-          <a:xfrm>
-            <a:off x="952955" y="2231874"/>
-            <a:ext cx="4613324" cy="4142294"/>
-          </a:xfrm>
-          <a:prstGeom prst="rect">
-            <a:avLst/>
-          </a:prstGeom>
-        </p:spPr>
-      </p:pic>
-      <p:pic>
-        <p:nvPicPr>
-          <p:cNvPr id="7" name="Picture 6">
-            <a:extLst>
-              <a:ext uri="{FF2B5EF4-FFF2-40B4-BE49-F238E27FC236}">
-                <a16:creationId xmlns:a16="http://schemas.microsoft.com/office/drawing/2014/main" id="{F8EF7C58-F7E5-3EE9-122E-A2380BB27F06}"/>
-              </a:ext>
-            </a:extLst>
-          </p:cNvPr>
-          <p:cNvPicPr>
-            <a:picLocks noChangeAspect="1"/>
-          </p:cNvPicPr>
-          <p:nvPr/>
-        </p:nvPicPr>
-        <p:blipFill rotWithShape="1">
-          <a:blip r:embed="rId3"/>
-          <a:srcRect b="53690"/>
-          <a:stretch/>
-        </p:blipFill>
-        <p:spPr>
-          <a:xfrm>
-            <a:off x="6327416" y="5187190"/>
-            <a:ext cx="5534733" cy="1088375"/>
-          </a:xfrm>
-          <a:prstGeom prst="rect">
-            <a:avLst/>
-          </a:prstGeom>
-        </p:spPr>
-      </p:pic>
-      <p:pic>
-        <p:nvPicPr>
-          <p:cNvPr id="9" name="Picture 8">
-            <a:extLst>
-              <a:ext uri="{FF2B5EF4-FFF2-40B4-BE49-F238E27FC236}">
-                <a16:creationId xmlns:a16="http://schemas.microsoft.com/office/drawing/2014/main" id="{B538BA82-0308-4420-7919-9CE67DC4B769}"/>
-              </a:ext>
-            </a:extLst>
-          </p:cNvPr>
-          <p:cNvPicPr>
-            <a:picLocks noChangeAspect="1"/>
-          </p:cNvPicPr>
-          <p:nvPr/>
-        </p:nvPicPr>
-        <p:blipFill rotWithShape="1">
-          <a:blip r:embed="rId4"/>
-          <a:srcRect t="650"/>
-          <a:stretch/>
-        </p:blipFill>
-        <p:spPr>
-          <a:xfrm>
-            <a:off x="6371033" y="2231874"/>
-            <a:ext cx="2723749" cy="2410013"/>
-          </a:xfrm>
-          <a:prstGeom prst="rect">
-            <a:avLst/>
-          </a:prstGeom>
-        </p:spPr>
-      </p:pic>
-    </p:spTree>
-    <p:extLst>
-      <p:ext uri="{BB962C8B-B14F-4D97-AF65-F5344CB8AC3E}">
-        <p14:creationId xmlns:p14="http://schemas.microsoft.com/office/powerpoint/2010/main" val="1897257541"/>
-      </p:ext>
-    </p:extLst>
-  </p:cSld>
-  <p:clrMapOvr>
-    <a:masterClrMapping/>
-  </p:clrMapOvr>
-  <mc:AlternateContent xmlns:mc="http://schemas.openxmlformats.org/markup-compatibility/2006" xmlns:p14="http://schemas.microsoft.com/office/powerpoint/2010/main">
-    <mc:Choice Requires="p14">
-      <p:transition spd="med" p14:dur="700">
-        <p:fade/>
-      </p:transition>
-    </mc:Choice>
-    <mc:Fallback xmlns="">
-      <p:transition spd="med">
-        <p:fade/>
-      </p:transition>
-    </mc:Fallback>
-  </mc:AlternateContent>
-</p:sld>
-</file>
-
-<file path=ppt/slides/slide15.xml><?xml version="1.0" encoding="utf-8"?>
-<p:sld xmlns:a="http://schemas.openxmlformats.org/drawingml/2006/main" xmlns:r="http://schemas.openxmlformats.org/officeDocument/2006/relationships" xmlns:p="http://schemas.openxmlformats.org/presentationml/2006/main">
-  <p:cSld>
-    <p:spTree>
-      <p:nvGrpSpPr>
-        <p:cNvPr id="1" name=""/>
-        <p:cNvGrpSpPr/>
-        <p:nvPr/>
-      </p:nvGrpSpPr>
-      <p:grpSpPr>
-        <a:xfrm>
-          <a:off x="0" y="0"/>
-          <a:ext cx="0" cy="0"/>
-          <a:chOff x="0" y="0"/>
-          <a:chExt cx="0" cy="0"/>
-        </a:xfrm>
-      </p:grpSpPr>
-      <p:sp>
-        <p:nvSpPr>
-          <p:cNvPr id="2" name="Title 1">
-            <a:extLst>
-              <a:ext uri="{FF2B5EF4-FFF2-40B4-BE49-F238E27FC236}">
-                <a16:creationId xmlns:a16="http://schemas.microsoft.com/office/drawing/2014/main" id="{0CA040C8-B074-C7E8-92CA-6497B75E3BDB}"/>
-              </a:ext>
-            </a:extLst>
-          </p:cNvPr>
-          <p:cNvSpPr txBox="1">
-            <a:spLocks/>
-          </p:cNvSpPr>
-          <p:nvPr/>
-        </p:nvSpPr>
-        <p:spPr>
-          <a:xfrm>
-            <a:off x="838200" y="365125"/>
-            <a:ext cx="10515600" cy="1325563"/>
-          </a:xfrm>
-          <a:prstGeom prst="rect">
-            <a:avLst/>
-          </a:prstGeom>
-        </p:spPr>
-        <p:txBody>
-          <a:bodyPr/>
-          <a:lstStyle>
-            <a:lvl1pPr algn="l" defTabSz="914400" rtl="0" eaLnBrk="1" latinLnBrk="0" hangingPunct="1">
-              <a:lnSpc>
-                <a:spcPct val="90000"/>
-              </a:lnSpc>
-              <a:spcBef>
-                <a:spcPct val="0"/>
-              </a:spcBef>
-              <a:buNone/>
-              <a:defRPr sz="4400" kern="1200">
-                <a:solidFill>
-                  <a:schemeClr val="tx1"/>
-                </a:solidFill>
-                <a:latin typeface="+mj-lt"/>
-                <a:ea typeface="+mj-ea"/>
-                <a:cs typeface="+mj-cs"/>
-              </a:defRPr>
-            </a:lvl1pPr>
-          </a:lstStyle>
-          <a:p>
-            <a:r>
-              <a:rPr lang="en-IN" dirty="0">
-                <a:solidFill>
-                  <a:schemeClr val="bg1">
-                    <a:lumMod val="95000"/>
-                  </a:schemeClr>
-                </a:solidFill>
-                <a:latin typeface="Century Gothic" panose="020B0502020202020204" pitchFamily="34" charset="0"/>
-              </a:rPr>
-              <a:t>Approach 3 – SVM</a:t>
-            </a:r>
-          </a:p>
-        </p:txBody>
-      </p:sp>
-      <p:sp>
-        <p:nvSpPr>
-          <p:cNvPr id="3" name="Content Placeholder 2">
-            <a:extLst>
-              <a:ext uri="{FF2B5EF4-FFF2-40B4-BE49-F238E27FC236}">
-                <a16:creationId xmlns:a16="http://schemas.microsoft.com/office/drawing/2014/main" id="{AF08CFCD-1B5D-CC95-679B-102209E054D9}"/>
-              </a:ext>
-            </a:extLst>
-          </p:cNvPr>
-          <p:cNvSpPr txBox="1">
-            <a:spLocks/>
-          </p:cNvSpPr>
-          <p:nvPr/>
-        </p:nvSpPr>
-        <p:spPr>
-          <a:xfrm>
-            <a:off x="838200" y="1825625"/>
-            <a:ext cx="10515600" cy="4351338"/>
-          </a:xfrm>
-          <a:prstGeom prst="rect">
-            <a:avLst/>
-          </a:prstGeom>
-        </p:spPr>
-        <p:txBody>
-          <a:bodyPr>
-            <a:normAutofit/>
-          </a:bodyPr>
-          <a:lstStyle>
-            <a:lvl1pPr marL="228600" indent="-228600" algn="l" defTabSz="914400" rtl="0" eaLnBrk="1" latinLnBrk="0" hangingPunct="1">
-              <a:lnSpc>
-                <a:spcPct val="90000"/>
-              </a:lnSpc>
-              <a:spcBef>
-                <a:spcPts val="1000"/>
-              </a:spcBef>
-              <a:buFont typeface="Arial" panose="020B0604020202020204" pitchFamily="34" charset="0"/>
-              <a:buChar char="•"/>
-              <a:defRPr sz="2800" kern="1200">
-                <a:solidFill>
-                  <a:schemeClr val="tx1"/>
-                </a:solidFill>
-                <a:latin typeface="+mn-lt"/>
-                <a:ea typeface="+mn-ea"/>
-                <a:cs typeface="+mn-cs"/>
-              </a:defRPr>
-            </a:lvl1pPr>
-            <a:lvl2pPr marL="685800" indent="-228600" algn="l" defTabSz="914400" rtl="0" eaLnBrk="1" latinLnBrk="0" hangingPunct="1">
-              <a:lnSpc>
-                <a:spcPct val="90000"/>
-              </a:lnSpc>
-              <a:spcBef>
-                <a:spcPts val="500"/>
-              </a:spcBef>
-              <a:buFont typeface="Arial" panose="020B0604020202020204" pitchFamily="34" charset="0"/>
-              <a:buChar char="•"/>
-              <a:defRPr sz="2400" kern="1200">
-                <a:solidFill>
-                  <a:schemeClr val="tx1"/>
-                </a:solidFill>
-                <a:latin typeface="+mn-lt"/>
-                <a:ea typeface="+mn-ea"/>
-                <a:cs typeface="+mn-cs"/>
-              </a:defRPr>
-            </a:lvl2pPr>
-            <a:lvl3pPr marL="1143000" indent="-228600" algn="l" defTabSz="914400" rtl="0" eaLnBrk="1" latinLnBrk="0" hangingPunct="1">
-              <a:lnSpc>
-                <a:spcPct val="90000"/>
-              </a:lnSpc>
-              <a:spcBef>
-                <a:spcPts val="500"/>
-              </a:spcBef>
-              <a:buFont typeface="Arial" panose="020B0604020202020204" pitchFamily="34" charset="0"/>
-              <a:buChar char="•"/>
-              <a:defRPr sz="2000" kern="1200">
-                <a:solidFill>
-                  <a:schemeClr val="tx1"/>
-                </a:solidFill>
-                <a:latin typeface="+mn-lt"/>
-                <a:ea typeface="+mn-ea"/>
-                <a:cs typeface="+mn-cs"/>
-              </a:defRPr>
-            </a:lvl3pPr>
-            <a:lvl4pPr marL="1600200" indent="-228600" algn="l" defTabSz="914400" rtl="0" eaLnBrk="1" latinLnBrk="0" hangingPunct="1">
-              <a:lnSpc>
-                <a:spcPct val="90000"/>
-              </a:lnSpc>
-              <a:spcBef>
-                <a:spcPts val="500"/>
-              </a:spcBef>
-              <a:buFont typeface="Arial" panose="020B0604020202020204" pitchFamily="34" charset="0"/>
-              <a:buChar char="•"/>
-              <a:defRPr sz="1800" kern="1200">
-                <a:solidFill>
-                  <a:schemeClr val="tx1"/>
-                </a:solidFill>
-                <a:latin typeface="+mn-lt"/>
-                <a:ea typeface="+mn-ea"/>
-                <a:cs typeface="+mn-cs"/>
-              </a:defRPr>
-            </a:lvl4pPr>
-            <a:lvl5pPr marL="2057400" indent="-228600" algn="l" defTabSz="914400" rtl="0" eaLnBrk="1" latinLnBrk="0" hangingPunct="1">
-              <a:lnSpc>
-                <a:spcPct val="90000"/>
-              </a:lnSpc>
-              <a:spcBef>
-                <a:spcPts val="500"/>
-              </a:spcBef>
-              <a:buFont typeface="Arial" panose="020B0604020202020204" pitchFamily="34" charset="0"/>
-              <a:buChar char="•"/>
-              <a:defRPr sz="1800" kern="1200">
-                <a:solidFill>
-                  <a:schemeClr val="tx1"/>
-                </a:solidFill>
-                <a:latin typeface="+mn-lt"/>
-                <a:ea typeface="+mn-ea"/>
-                <a:cs typeface="+mn-cs"/>
-              </a:defRPr>
-            </a:lvl5pPr>
-            <a:lvl6pPr marL="2514600" indent="-228600" algn="l" defTabSz="914400" rtl="0" eaLnBrk="1" latinLnBrk="0" hangingPunct="1">
-              <a:lnSpc>
-                <a:spcPct val="90000"/>
-              </a:lnSpc>
-              <a:spcBef>
-                <a:spcPts val="500"/>
-              </a:spcBef>
-              <a:buFont typeface="Arial" panose="020B0604020202020204" pitchFamily="34" charset="0"/>
-              <a:buChar char="•"/>
-              <a:defRPr sz="1800" kern="1200">
-                <a:solidFill>
-                  <a:schemeClr val="tx1"/>
-                </a:solidFill>
-                <a:latin typeface="+mn-lt"/>
-                <a:ea typeface="+mn-ea"/>
-                <a:cs typeface="+mn-cs"/>
-              </a:defRPr>
-            </a:lvl6pPr>
-            <a:lvl7pPr marL="2971800" indent="-228600" algn="l" defTabSz="914400" rtl="0" eaLnBrk="1" latinLnBrk="0" hangingPunct="1">
-              <a:lnSpc>
-                <a:spcPct val="90000"/>
-              </a:lnSpc>
-              <a:spcBef>
-                <a:spcPts val="500"/>
-              </a:spcBef>
-              <a:buFont typeface="Arial" panose="020B0604020202020204" pitchFamily="34" charset="0"/>
-              <a:buChar char="•"/>
-              <a:defRPr sz="1800" kern="1200">
-                <a:solidFill>
-                  <a:schemeClr val="tx1"/>
-                </a:solidFill>
-                <a:latin typeface="+mn-lt"/>
-                <a:ea typeface="+mn-ea"/>
-                <a:cs typeface="+mn-cs"/>
-              </a:defRPr>
-            </a:lvl7pPr>
-            <a:lvl8pPr marL="3429000" indent="-228600" algn="l" defTabSz="914400" rtl="0" eaLnBrk="1" latinLnBrk="0" hangingPunct="1">
-              <a:lnSpc>
-                <a:spcPct val="90000"/>
-              </a:lnSpc>
-              <a:spcBef>
-                <a:spcPts val="500"/>
-              </a:spcBef>
-              <a:buFont typeface="Arial" panose="020B0604020202020204" pitchFamily="34" charset="0"/>
-              <a:buChar char="•"/>
-              <a:defRPr sz="1800" kern="1200">
-                <a:solidFill>
-                  <a:schemeClr val="tx1"/>
-                </a:solidFill>
-                <a:latin typeface="+mn-lt"/>
-                <a:ea typeface="+mn-ea"/>
-                <a:cs typeface="+mn-cs"/>
-              </a:defRPr>
-            </a:lvl8pPr>
-            <a:lvl9pPr marL="3886200" indent="-228600" algn="l" defTabSz="914400" rtl="0" eaLnBrk="1" latinLnBrk="0" hangingPunct="1">
-              <a:lnSpc>
-                <a:spcPct val="90000"/>
-              </a:lnSpc>
-              <a:spcBef>
-                <a:spcPts val="500"/>
-              </a:spcBef>
-              <a:buFont typeface="Arial" panose="020B0604020202020204" pitchFamily="34" charset="0"/>
-              <a:buChar char="•"/>
-              <a:defRPr sz="1800" kern="1200">
-                <a:solidFill>
-                  <a:schemeClr val="tx1"/>
-                </a:solidFill>
-                <a:latin typeface="+mn-lt"/>
-                <a:ea typeface="+mn-ea"/>
-                <a:cs typeface="+mn-cs"/>
-              </a:defRPr>
-            </a:lvl9pPr>
-          </a:lstStyle>
-          <a:p>
-            <a:pPr marL="0" indent="0">
-              <a:buFont typeface="Arial" panose="020B0604020202020204" pitchFamily="34" charset="0"/>
-              <a:buNone/>
-            </a:pPr>
-            <a:endParaRPr lang="en-IN" sz="1800" dirty="0">
-              <a:solidFill>
-                <a:schemeClr val="bg1">
-                  <a:lumMod val="95000"/>
-                </a:schemeClr>
-              </a:solidFill>
-              <a:latin typeface="Century Gothic" panose="020B0502020202020204" pitchFamily="34" charset="0"/>
-            </a:endParaRPr>
-          </a:p>
-        </p:txBody>
-      </p:sp>
-      <p:pic>
-        <p:nvPicPr>
-          <p:cNvPr id="13" name="Picture 12">
-            <a:extLst>
-              <a:ext uri="{FF2B5EF4-FFF2-40B4-BE49-F238E27FC236}">
-                <a16:creationId xmlns:a16="http://schemas.microsoft.com/office/drawing/2014/main" id="{CFD71887-958C-5C91-96AB-519BA8109614}"/>
-              </a:ext>
-            </a:extLst>
-          </p:cNvPr>
-          <p:cNvPicPr>
-            <a:picLocks noChangeAspect="1"/>
-          </p:cNvPicPr>
-          <p:nvPr/>
-        </p:nvPicPr>
-        <p:blipFill>
-          <a:blip r:embed="rId2"/>
-          <a:stretch>
-            <a:fillRect/>
-          </a:stretch>
-        </p:blipFill>
-        <p:spPr>
-          <a:xfrm>
-            <a:off x="6614365" y="1358283"/>
-            <a:ext cx="4387345" cy="4660777"/>
-          </a:xfrm>
-          <a:prstGeom prst="rect">
-            <a:avLst/>
-          </a:prstGeom>
-        </p:spPr>
-      </p:pic>
-      <p:sp>
-        <p:nvSpPr>
-          <p:cNvPr id="14" name="TextBox 13">
-            <a:extLst>
-              <a:ext uri="{FF2B5EF4-FFF2-40B4-BE49-F238E27FC236}">
-                <a16:creationId xmlns:a16="http://schemas.microsoft.com/office/drawing/2014/main" id="{92B61D1C-E729-17B3-D794-4122AC59F7B7}"/>
-              </a:ext>
-            </a:extLst>
-          </p:cNvPr>
-          <p:cNvSpPr txBox="1"/>
-          <p:nvPr/>
-        </p:nvSpPr>
-        <p:spPr>
-          <a:xfrm>
-            <a:off x="905522" y="1690688"/>
-            <a:ext cx="4476805" cy="3693319"/>
-          </a:xfrm>
-          <a:prstGeom prst="rect">
-            <a:avLst/>
-          </a:prstGeom>
-          <a:noFill/>
-        </p:spPr>
-        <p:txBody>
-          <a:bodyPr wrap="square" rtlCol="0">
-            <a:spAutoFit/>
-          </a:bodyPr>
-          <a:lstStyle/>
-          <a:p>
-            <a:r>
-              <a:rPr lang="en-IN" dirty="0">
-                <a:solidFill>
-                  <a:schemeClr val="bg1">
-                    <a:lumMod val="95000"/>
-                  </a:schemeClr>
-                </a:solidFill>
-                <a:latin typeface="Century Gothic" panose="020B0502020202020204" pitchFamily="34" charset="0"/>
-              </a:rPr>
-              <a:t>We finally make five SVM Classifiers.</a:t>
-            </a:r>
-          </a:p>
-          <a:p>
-            <a:r>
-              <a:rPr lang="en-IN" dirty="0">
-                <a:solidFill>
-                  <a:schemeClr val="bg1">
-                    <a:lumMod val="95000"/>
-                  </a:schemeClr>
-                </a:solidFill>
-                <a:latin typeface="Century Gothic" panose="020B0502020202020204" pitchFamily="34" charset="0"/>
-              </a:rPr>
-              <a:t>We then fit the model and predict the test set.</a:t>
-            </a:r>
-          </a:p>
-          <a:p>
-            <a:r>
-              <a:rPr lang="en-IN" dirty="0">
-                <a:solidFill>
-                  <a:schemeClr val="bg1">
-                    <a:lumMod val="95000"/>
-                  </a:schemeClr>
-                </a:solidFill>
-                <a:latin typeface="Century Gothic" panose="020B0502020202020204" pitchFamily="34" charset="0"/>
-              </a:rPr>
-              <a:t>We finally find the accuracy scores.</a:t>
-            </a:r>
-          </a:p>
-          <a:p>
-            <a:endParaRPr lang="en-IN" dirty="0">
-              <a:solidFill>
-                <a:schemeClr val="bg1">
-                  <a:lumMod val="95000"/>
-                </a:schemeClr>
-              </a:solidFill>
-              <a:latin typeface="Century Gothic" panose="020B0502020202020204" pitchFamily="34" charset="0"/>
-            </a:endParaRPr>
-          </a:p>
-          <a:p>
-            <a:endParaRPr lang="en-IN" dirty="0">
-              <a:solidFill>
-                <a:schemeClr val="bg1">
-                  <a:lumMod val="95000"/>
-                </a:schemeClr>
-              </a:solidFill>
-              <a:latin typeface="Century Gothic" panose="020B0502020202020204" pitchFamily="34" charset="0"/>
-            </a:endParaRPr>
-          </a:p>
-          <a:p>
-            <a:r>
-              <a:rPr lang="en-IN" dirty="0">
-                <a:solidFill>
-                  <a:schemeClr val="bg1">
-                    <a:lumMod val="95000"/>
-                  </a:schemeClr>
-                </a:solidFill>
-                <a:latin typeface="Century Gothic" panose="020B0502020202020204" pitchFamily="34" charset="0"/>
-              </a:rPr>
-              <a:t>SVM has the simplicity of basic classifiers as well as it is able to handle complex inputs like neural network.</a:t>
-            </a:r>
-          </a:p>
-          <a:p>
-            <a:endParaRPr lang="en-IN" dirty="0">
-              <a:solidFill>
-                <a:schemeClr val="bg1">
-                  <a:lumMod val="95000"/>
-                </a:schemeClr>
-              </a:solidFill>
-              <a:latin typeface="Century Gothic" panose="020B0502020202020204" pitchFamily="34" charset="0"/>
-            </a:endParaRPr>
-          </a:p>
-          <a:p>
-            <a:r>
-              <a:rPr lang="en-IN" dirty="0">
-                <a:solidFill>
-                  <a:schemeClr val="bg1">
-                    <a:lumMod val="95000"/>
-                  </a:schemeClr>
-                </a:solidFill>
-                <a:latin typeface="Century Gothic" panose="020B0502020202020204" pitchFamily="34" charset="0"/>
-              </a:rPr>
-              <a:t>Even though we expected to see, certain improvements in accuracy, we see that those are nearly the same.</a:t>
-            </a:r>
-          </a:p>
-        </p:txBody>
-      </p:sp>
-    </p:spTree>
-    <p:extLst>
-      <p:ext uri="{BB962C8B-B14F-4D97-AF65-F5344CB8AC3E}">
-        <p14:creationId xmlns:p14="http://schemas.microsoft.com/office/powerpoint/2010/main" val="751970163"/>
-      </p:ext>
-    </p:extLst>
-  </p:cSld>
-  <p:clrMapOvr>
-    <a:masterClrMapping/>
-  </p:clrMapOvr>
-  <mc:AlternateContent xmlns:mc="http://schemas.openxmlformats.org/markup-compatibility/2006" xmlns:p14="http://schemas.microsoft.com/office/powerpoint/2010/main">
-    <mc:Choice Requires="p14">
-      <p:transition spd="med" p14:dur="700">
-        <p:fade/>
-      </p:transition>
-    </mc:Choice>
-    <mc:Fallback xmlns="">
-      <p:transition spd="med">
-        <p:fade/>
-      </p:transition>
-    </mc:Fallback>
-  </mc:AlternateContent>
-</p:sld>
-</file>
-
-<file path=ppt/slides/slide16.xml><?xml version="1.0" encoding="utf-8"?>
+<file path=ppt/slides/slide13.xml><?xml version="1.0" encoding="utf-8"?>
 <p:sld xmlns:a="http://schemas.openxmlformats.org/drawingml/2006/main" xmlns:r="http://schemas.openxmlformats.org/officeDocument/2006/relationships" xmlns:p="http://schemas.openxmlformats.org/presentationml/2006/main">
   <p:cSld>
     <p:spTree>
@@ -7179,7 +5745,7 @@
 </p:sld>
 </file>
 
-<file path=ppt/slides/slide17.xml><?xml version="1.0" encoding="utf-8"?>
+<file path=ppt/slides/slide14.xml><?xml version="1.0" encoding="utf-8"?>
 <p:sld xmlns:a="http://schemas.openxmlformats.org/drawingml/2006/main" xmlns:r="http://schemas.openxmlformats.org/officeDocument/2006/relationships" xmlns:p="http://schemas.openxmlformats.org/presentationml/2006/main">
   <p:cSld>
     <p:spTree>
@@ -7226,7 +5792,7 @@
                 </a:solidFill>
                 <a:latin typeface="Century Gothic" panose="020B0502020202020204" pitchFamily="34" charset="0"/>
               </a:rPr>
-              <a:t>Conclusion</a:t>
+              <a:t>Further Prospects</a:t>
             </a:r>
           </a:p>
         </p:txBody>
@@ -7259,9 +5825,71 @@
           </a:bodyPr>
           <a:lstStyle/>
           <a:p>
-            <a:pPr marL="0" indent="0">
-              <a:buNone/>
-            </a:pPr>
+            <a:r>
+              <a:rPr lang="en-IN" sz="1800" dirty="0">
+                <a:solidFill>
+                  <a:schemeClr val="bg1">
+                    <a:lumMod val="95000"/>
+                  </a:schemeClr>
+                </a:solidFill>
+                <a:latin typeface="Century Gothic" panose="020B0502020202020204" pitchFamily="34" charset="0"/>
+              </a:rPr>
+              <a:t>To further improve the accuracy.</a:t>
+            </a:r>
+          </a:p>
+          <a:p>
+            <a:r>
+              <a:rPr lang="en-IN" sz="1800" dirty="0">
+                <a:solidFill>
+                  <a:schemeClr val="bg1">
+                    <a:lumMod val="95000"/>
+                  </a:schemeClr>
+                </a:solidFill>
+                <a:latin typeface="Century Gothic" panose="020B0502020202020204" pitchFamily="34" charset="0"/>
+              </a:rPr>
+              <a:t>To incorporate new technology.</a:t>
+            </a:r>
+          </a:p>
+          <a:p>
+            <a:r>
+              <a:rPr lang="en-IN" sz="1800" dirty="0">
+                <a:solidFill>
+                  <a:schemeClr val="bg1">
+                    <a:lumMod val="95000"/>
+                  </a:schemeClr>
+                </a:solidFill>
+                <a:latin typeface="Century Gothic" panose="020B0502020202020204" pitchFamily="34" charset="0"/>
+              </a:rPr>
+              <a:t>A depression detection tool may be created by comparing the texts of the same person over a period of time.</a:t>
+            </a:r>
+          </a:p>
+          <a:p>
+            <a:r>
+              <a:rPr lang="en-IN" sz="1800" dirty="0">
+                <a:solidFill>
+                  <a:schemeClr val="bg1">
+                    <a:lumMod val="95000"/>
+                  </a:schemeClr>
+                </a:solidFill>
+                <a:latin typeface="Century Gothic" panose="020B0502020202020204" pitchFamily="34" charset="0"/>
+              </a:rPr>
+              <a:t>Trying out better deep learning approaches.</a:t>
+            </a:r>
+          </a:p>
+          <a:p>
+            <a:r>
+              <a:rPr lang="en-IN" sz="1800" dirty="0">
+                <a:solidFill>
+                  <a:schemeClr val="bg1">
+                    <a:lumMod val="95000"/>
+                  </a:schemeClr>
+                </a:solidFill>
+                <a:latin typeface="Century Gothic" panose="020B0502020202020204" pitchFamily="34" charset="0"/>
+              </a:rPr>
+              <a:t>Using NLTK (Natural Language Toolkit)</a:t>
+            </a:r>
+          </a:p>
+          <a:p>
             <a:r>
               <a:rPr lang="en-US" sz="1800" dirty="0">
                 <a:solidFill>
@@ -7271,30 +5899,19 @@
                 </a:solidFill>
                 <a:latin typeface="Century Gothic" panose="020B0502020202020204" pitchFamily="34" charset="0"/>
               </a:rPr>
-              <a:t>So here we are using both deep learning as well as machine-learning approach where we found almost similar accuracy for both scenarios.</a:t>
-            </a:r>
-          </a:p>
-          <a:p>
-            <a:pPr marL="0" indent="0">
-              <a:buNone/>
-            </a:pPr>
-            <a:r>
-              <a:rPr lang="en-US" sz="1800" dirty="0">
-                <a:solidFill>
-                  <a:schemeClr val="bg1">
-                    <a:lumMod val="95000"/>
-                  </a:schemeClr>
-                </a:solidFill>
-                <a:latin typeface="Century Gothic" panose="020B0502020202020204" pitchFamily="34" charset="0"/>
-              </a:rPr>
-              <a:t>Naïve Bayes is a very simple approach. ANN is the complicated approach. SVM has the simplicity of Naïve Bayes as well as the technicality of ANN. </a:t>
-            </a:r>
-          </a:p>
-          <a:p>
-            <a:pPr marL="0" indent="0">
-              <a:buNone/>
-            </a:pPr>
-            <a:endParaRPr lang="en-US" sz="1800" dirty="0">
+              <a:t>Creating a front end for a better user interface and an accessible website.</a:t>
+            </a:r>
+            <a:endParaRPr lang="en-IN" sz="1800" dirty="0">
+              <a:solidFill>
+                <a:schemeClr val="bg1">
+                  <a:lumMod val="95000"/>
+                </a:schemeClr>
+              </a:solidFill>
+              <a:latin typeface="Century Gothic" panose="020B0502020202020204" pitchFamily="34" charset="0"/>
+            </a:endParaRPr>
+          </a:p>
+          <a:p>
+            <a:endParaRPr lang="en-IN" sz="1800" dirty="0">
               <a:solidFill>
                 <a:schemeClr val="bg1">
                   <a:lumMod val="95000"/>
@@ -7320,10 +5937,10 @@
       </p:sp>
       <p:pic>
         <p:nvPicPr>
-          <p:cNvPr id="9" name="Picture 8">
-            <a:extLst>
-              <a:ext uri="{FF2B5EF4-FFF2-40B4-BE49-F238E27FC236}">
-                <a16:creationId xmlns:a16="http://schemas.microsoft.com/office/drawing/2014/main" id="{51324944-4B4F-74A3-51A5-536BBB589748}"/>
+          <p:cNvPr id="5" name="Picture 4">
+            <a:extLst>
+              <a:ext uri="{FF2B5EF4-FFF2-40B4-BE49-F238E27FC236}">
+                <a16:creationId xmlns:a16="http://schemas.microsoft.com/office/drawing/2014/main" id="{C35520EA-DAF5-43FB-B4F9-DD5F490B5079}"/>
               </a:ext>
             </a:extLst>
           </p:cNvPr>
@@ -7332,78 +5949,28 @@
           </p:cNvPicPr>
           <p:nvPr/>
         </p:nvPicPr>
-        <p:blipFill rotWithShape="1">
-          <a:blip r:embed="rId2"/>
-          <a:srcRect l="15562" r="6145"/>
-          <a:stretch/>
+        <p:blipFill>
+          <a:blip r:embed="rId2">
+            <a:extLst>
+              <a:ext uri="{28A0092B-C50C-407E-A947-70E740481C1C}">
+                <a14:useLocalDpi xmlns:a14="http://schemas.microsoft.com/office/drawing/2010/main" val="0"/>
+              </a:ext>
+            </a:extLst>
+          </a:blip>
+          <a:stretch>
+            <a:fillRect/>
+          </a:stretch>
         </p:blipFill>
         <p:spPr>
           <a:xfrm>
-            <a:off x="976543" y="1997961"/>
-            <a:ext cx="4379028" cy="2112399"/>
+            <a:off x="969819" y="1909185"/>
+            <a:ext cx="4382654" cy="3286991"/>
           </a:xfrm>
           <a:prstGeom prst="rect">
             <a:avLst/>
           </a:prstGeom>
         </p:spPr>
       </p:pic>
-      <p:sp>
-        <p:nvSpPr>
-          <p:cNvPr id="10" name="TextBox 9">
-            <a:extLst>
-              <a:ext uri="{FF2B5EF4-FFF2-40B4-BE49-F238E27FC236}">
-                <a16:creationId xmlns:a16="http://schemas.microsoft.com/office/drawing/2014/main" id="{3AA48814-6318-F765-BD0E-E77072F40EAD}"/>
-              </a:ext>
-            </a:extLst>
-          </p:cNvPr>
-          <p:cNvSpPr txBox="1"/>
-          <p:nvPr/>
-        </p:nvSpPr>
-        <p:spPr>
-          <a:xfrm>
-            <a:off x="838200" y="4152941"/>
-            <a:ext cx="10112937" cy="2308324"/>
-          </a:xfrm>
-          <a:prstGeom prst="rect">
-            <a:avLst/>
-          </a:prstGeom>
-          <a:noFill/>
-        </p:spPr>
-        <p:txBody>
-          <a:bodyPr wrap="square" rtlCol="0">
-            <a:spAutoFit/>
-          </a:bodyPr>
-          <a:lstStyle/>
-          <a:p>
-            <a:endParaRPr lang="en-US" dirty="0"/>
-          </a:p>
-          <a:p>
-            <a:r>
-              <a:rPr lang="en-US" dirty="0">
-                <a:solidFill>
-                  <a:schemeClr val="bg1"/>
-                </a:solidFill>
-                <a:latin typeface="Century Gothic" panose="020B0502020202020204" pitchFamily="34" charset="0"/>
-              </a:rPr>
-              <a:t>Sometimes, easy paths are the correct ones and it is always not about taking the tough road. This is exactly what we see here. The simplest Naïve Bayes approach yields a comparatively better accuracy.</a:t>
-            </a:r>
-          </a:p>
-          <a:p>
-            <a:r>
-              <a:rPr lang="en-US" dirty="0">
-                <a:solidFill>
-                  <a:schemeClr val="bg1"/>
-                </a:solidFill>
-                <a:latin typeface="Century Gothic" panose="020B0502020202020204" pitchFamily="34" charset="0"/>
-              </a:rPr>
-              <a:t>Purpose of this whole project was to find an effective solution for prediction of personality and mental health behavior of human beings. And the strategies used, turned out to be quite effective in doing so. </a:t>
-            </a:r>
-          </a:p>
-          <a:p>
-            <a:endParaRPr lang="en-IN" dirty="0"/>
-          </a:p>
-        </p:txBody>
-      </p:sp>
     </p:spTree>
     <p:extLst>
       <p:ext uri="{BB962C8B-B14F-4D97-AF65-F5344CB8AC3E}">
@@ -7429,7 +5996,7 @@
 </p:sld>
 </file>
 
-<file path=ppt/slides/slide18.xml><?xml version="1.0" encoding="utf-8"?>
+<file path=ppt/slides/slide15.xml><?xml version="1.0" encoding="utf-8"?>
 <p:sld xmlns:a="http://schemas.openxmlformats.org/drawingml/2006/main" xmlns:r="http://schemas.openxmlformats.org/officeDocument/2006/relationships" xmlns:p="http://schemas.openxmlformats.org/presentationml/2006/main">
   <p:cSld>
     <p:spTree>
@@ -7847,7 +6414,7 @@
         <p:spPr>
           <a:xfrm>
             <a:off x="9050255" y="2098193"/>
-            <a:ext cx="2953512" cy="2062103"/>
+            <a:ext cx="2953512" cy="2308324"/>
           </a:xfrm>
           <a:prstGeom prst="rect">
             <a:avLst/>
@@ -7958,14 +6525,21 @@
             </a:r>
           </a:p>
           <a:p>
-            <a:endParaRPr lang="en-IN" sz="1600" dirty="0">
-              <a:solidFill>
-                <a:schemeClr val="bg1">
-                  <a:lumMod val="95000"/>
-                </a:schemeClr>
-              </a:solidFill>
-              <a:latin typeface="Century Gothic" panose="020B0502020202020204" pitchFamily="34" charset="0"/>
-            </a:endParaRPr>
+            <a:pPr marL="285750" indent="-285750">
+              <a:buFont typeface="Arial" panose="020B0604020202020204" pitchFamily="34" charset="0"/>
+              <a:buChar char="•"/>
+            </a:pPr>
+            <a:r>
+              <a:rPr lang="en-IN" sz="1600" dirty="0">
+                <a:solidFill>
+                  <a:schemeClr val="bg1">
+                    <a:lumMod val="95000"/>
+                  </a:schemeClr>
+                </a:solidFill>
+                <a:latin typeface="Century Gothic" panose="020B0502020202020204" pitchFamily="34" charset="0"/>
+              </a:rPr>
+              <a:t>Deep Learning Approach</a:t>
+            </a:r>
           </a:p>
           <a:p>
             <a:pPr marL="285750" indent="-285750">
@@ -8071,8 +6645,27 @@
                 </a:solidFill>
                 <a:latin typeface="Century Gothic" panose="020B0502020202020204" pitchFamily="34" charset="0"/>
               </a:rPr>
-              <a:t>SVM Approach </a:t>
-            </a:r>
+              <a:t>Data </a:t>
+            </a:r>
+            <a:r>
+              <a:rPr lang="en-IN" sz="1600" dirty="0" err="1">
+                <a:solidFill>
+                  <a:schemeClr val="bg1">
+                    <a:lumMod val="95000"/>
+                  </a:schemeClr>
+                </a:solidFill>
+                <a:latin typeface="Century Gothic" panose="020B0502020202020204" pitchFamily="34" charset="0"/>
+              </a:rPr>
+              <a:t>Preprocessing</a:t>
+            </a:r>
+            <a:endParaRPr lang="en-IN" sz="1600" dirty="0">
+              <a:solidFill>
+                <a:schemeClr val="bg1">
+                  <a:lumMod val="95000"/>
+                </a:schemeClr>
+              </a:solidFill>
+              <a:latin typeface="Century Gothic" panose="020B0502020202020204" pitchFamily="34" charset="0"/>
+            </a:endParaRPr>
           </a:p>
           <a:p>
             <a:pPr marL="285750" indent="-285750">
@@ -8125,7 +6718,7 @@
         <p:spPr>
           <a:xfrm>
             <a:off x="3806738" y="4411164"/>
-            <a:ext cx="2953512" cy="1569660"/>
+            <a:ext cx="2953512" cy="1815882"/>
           </a:xfrm>
           <a:prstGeom prst="rect">
             <a:avLst/>
@@ -8187,7 +6780,7 @@
                 </a:solidFill>
                 <a:latin typeface="Century Gothic" panose="020B0502020202020204" pitchFamily="34" charset="0"/>
               </a:rPr>
-              <a:t>Word vectorization</a:t>
+              <a:t>Word Level Feature Extraction</a:t>
             </a:r>
           </a:p>
           <a:p>
@@ -8204,7 +6797,7 @@
                 </a:solidFill>
                 <a:latin typeface="Century Gothic" panose="020B0502020202020204" pitchFamily="34" charset="0"/>
               </a:rPr>
-              <a:t>Classification</a:t>
+              <a:t>Word vectorization</a:t>
             </a:r>
           </a:p>
           <a:p>
@@ -8221,7 +6814,7 @@
                 </a:solidFill>
                 <a:latin typeface="Century Gothic" panose="020B0502020202020204" pitchFamily="34" charset="0"/>
               </a:rPr>
-              <a:t>Naïve – Bayes Classifier</a:t>
+              <a:t>Classification</a:t>
             </a:r>
           </a:p>
         </p:txBody>
@@ -10611,7 +9204,23 @@
                 </a:solidFill>
                 <a:latin typeface="Century Gothic" panose="020B0502020202020204" pitchFamily="34" charset="0"/>
               </a:rPr>
-              <a:t> features,4 which were extracted from the texts directly at the preprocessing stage; this improved the method’s performance. then we merge five target attributes into a single target attribute, after that we create the deep learning model of 4 layers using ANN, then we split the data into train and test dataset. After that we measure the accuracy based on the test data of the model built.</a:t>
+              <a:t> features,4 which were extracted from the texts directly at the preprocessing stage;</a:t>
+            </a:r>
+          </a:p>
+          <a:p>
+            <a:pPr marL="0" indent="0" algn="just">
+              <a:buNone/>
+            </a:pPr>
+            <a:r>
+              <a:rPr lang="en-US" sz="2500" dirty="0">
+                <a:solidFill>
+                  <a:schemeClr val="bg1">
+                    <a:lumMod val="95000"/>
+                  </a:schemeClr>
+                </a:solidFill>
+                <a:latin typeface="Century Gothic" panose="020B0502020202020204" pitchFamily="34" charset="0"/>
+              </a:rPr>
+              <a:t>this improved the method’s performance. then we merge five target attributes into a single target attribute, after that we create the deep learning model of 4 layers using ANN, then we split the data into train and test dataset. After that we measure the accuracy based on the test data of the model built.</a:t>
             </a:r>
           </a:p>
           <a:p>
@@ -10689,222 +9298,6 @@
           <p:cNvPr id="2" name="Title 1">
             <a:extLst>
               <a:ext uri="{FF2B5EF4-FFF2-40B4-BE49-F238E27FC236}">
-                <a16:creationId xmlns:a16="http://schemas.microsoft.com/office/drawing/2014/main" id="{729F609E-3A57-7381-074C-B44C73452A9C}"/>
-              </a:ext>
-            </a:extLst>
-          </p:cNvPr>
-          <p:cNvSpPr>
-            <a:spLocks noGrp="1"/>
-          </p:cNvSpPr>
-          <p:nvPr>
-            <p:ph type="title"/>
-          </p:nvPr>
-        </p:nvSpPr>
-        <p:spPr/>
-        <p:txBody>
-          <a:bodyPr/>
-          <a:lstStyle/>
-          <a:p>
-            <a:r>
-              <a:rPr lang="en-IN" dirty="0">
-                <a:solidFill>
-                  <a:schemeClr val="bg1">
-                    <a:lumMod val="95000"/>
-                  </a:schemeClr>
-                </a:solidFill>
-                <a:latin typeface="Century Gothic" panose="020B0502020202020204" pitchFamily="34" charset="0"/>
-              </a:rPr>
-              <a:t>Objective</a:t>
-            </a:r>
-            <a:endParaRPr lang="en-IN" dirty="0"/>
-          </a:p>
-        </p:txBody>
-      </p:sp>
-      <p:sp>
-        <p:nvSpPr>
-          <p:cNvPr id="3" name="Content Placeholder 2">
-            <a:extLst>
-              <a:ext uri="{FF2B5EF4-FFF2-40B4-BE49-F238E27FC236}">
-                <a16:creationId xmlns:a16="http://schemas.microsoft.com/office/drawing/2014/main" id="{CEEB8CD5-0A64-4C3D-CB4F-342A3C39E689}"/>
-              </a:ext>
-            </a:extLst>
-          </p:cNvPr>
-          <p:cNvSpPr>
-            <a:spLocks noGrp="1"/>
-          </p:cNvSpPr>
-          <p:nvPr>
-            <p:ph idx="1"/>
-          </p:nvPr>
-        </p:nvSpPr>
-        <p:spPr/>
-        <p:txBody>
-          <a:bodyPr/>
-          <a:lstStyle/>
-          <a:p>
-            <a:pPr marL="0" indent="0">
-              <a:buNone/>
-            </a:pPr>
-            <a:r>
-              <a:rPr lang="en-IN" sz="1800" b="1" dirty="0">
-                <a:solidFill>
-                  <a:schemeClr val="bg1">
-                    <a:lumMod val="95000"/>
-                  </a:schemeClr>
-                </a:solidFill>
-                <a:effectLst/>
-                <a:latin typeface="Century Gothic" panose="020B0502020202020204" pitchFamily="34" charset="0"/>
-                <a:ea typeface="Calibri" panose="020F0502020204030204" pitchFamily="34" charset="0"/>
-                <a:cs typeface="Mangal" panose="02040503050203030202" pitchFamily="18" charset="0"/>
-              </a:rPr>
-              <a:t>III. Support Vector Machine Approach:</a:t>
-            </a:r>
-            <a:r>
-              <a:rPr lang="en-IN" sz="1800" dirty="0">
-                <a:solidFill>
-                  <a:schemeClr val="bg1">
-                    <a:lumMod val="95000"/>
-                  </a:schemeClr>
-                </a:solidFill>
-                <a:effectLst/>
-                <a:latin typeface="Century Gothic" panose="020B0502020202020204" pitchFamily="34" charset="0"/>
-                <a:ea typeface="Calibri" panose="020F0502020204030204" pitchFamily="34" charset="0"/>
-                <a:cs typeface="Mangal" panose="02040503050203030202" pitchFamily="18" charset="0"/>
-              </a:rPr>
-              <a:t> SVM classifier separates data points using a hyperplane with the largest amount of margin. That's why an SVM classifier is also known as a discriminative classifier. SVM finds an optimal hyperplane which helps in classifying new data points. In this approach we first clean the gathered data and store it in a </a:t>
-            </a:r>
-            <a:r>
-              <a:rPr lang="en-IN" sz="1800" dirty="0" err="1">
-                <a:solidFill>
-                  <a:schemeClr val="bg1">
-                    <a:lumMod val="95000"/>
-                  </a:schemeClr>
-                </a:solidFill>
-                <a:effectLst/>
-                <a:latin typeface="Century Gothic" panose="020B0502020202020204" pitchFamily="34" charset="0"/>
-                <a:ea typeface="Calibri" panose="020F0502020204030204" pitchFamily="34" charset="0"/>
-                <a:cs typeface="Mangal" panose="02040503050203030202" pitchFamily="18" charset="0"/>
-              </a:rPr>
-              <a:t>dataframe</a:t>
-            </a:r>
-            <a:r>
-              <a:rPr lang="en-IN" sz="1800" dirty="0">
-                <a:solidFill>
-                  <a:schemeClr val="bg1">
-                    <a:lumMod val="95000"/>
-                  </a:schemeClr>
-                </a:solidFill>
-                <a:effectLst/>
-                <a:latin typeface="Century Gothic" panose="020B0502020202020204" pitchFamily="34" charset="0"/>
-                <a:ea typeface="Calibri" panose="020F0502020204030204" pitchFamily="34" charset="0"/>
-                <a:cs typeface="Mangal" panose="02040503050203030202" pitchFamily="18" charset="0"/>
-              </a:rPr>
-              <a:t>, after that we remove the unwanted characters and words and pick-up the words which are then used to create the bag of words, then we convert the text in the form of vectors. We then find support vectors for each personality trait. This gives us the linear discriminant function for mapping the output.</a:t>
-            </a:r>
-            <a:endParaRPr lang="en-IN" sz="1800" dirty="0">
-              <a:solidFill>
-                <a:schemeClr val="bg1">
-                  <a:lumMod val="95000"/>
-                </a:schemeClr>
-              </a:solidFill>
-              <a:effectLst/>
-              <a:latin typeface="Century Gothic" panose="020B0502020202020204" pitchFamily="34" charset="0"/>
-              <a:ea typeface="Times New Roman" panose="02020603050405020304" pitchFamily="18" charset="0"/>
-              <a:cs typeface="Mangal" panose="02040503050203030202" pitchFamily="18" charset="0"/>
-            </a:endParaRPr>
-          </a:p>
-          <a:p>
-            <a:pPr marL="0" indent="0">
-              <a:buNone/>
-            </a:pPr>
-            <a:endParaRPr lang="en-IN" dirty="0">
-              <a:latin typeface="Century Gothic" panose="020B0502020202020204" pitchFamily="34" charset="0"/>
-            </a:endParaRPr>
-          </a:p>
-        </p:txBody>
-      </p:sp>
-      <p:pic>
-        <p:nvPicPr>
-          <p:cNvPr id="4" name="Picture 3">
-            <a:extLst>
-              <a:ext uri="{FF2B5EF4-FFF2-40B4-BE49-F238E27FC236}">
-                <a16:creationId xmlns:a16="http://schemas.microsoft.com/office/drawing/2014/main" id="{0F529FB7-5379-2631-91D2-8E7873DD0409}"/>
-              </a:ext>
-            </a:extLst>
-          </p:cNvPr>
-          <p:cNvPicPr>
-            <a:picLocks noChangeAspect="1"/>
-          </p:cNvPicPr>
-          <p:nvPr/>
-        </p:nvPicPr>
-        <p:blipFill>
-          <a:blip r:embed="rId2">
-            <a:extLst>
-              <a:ext uri="{28A0092B-C50C-407E-A947-70E740481C1C}">
-                <a14:useLocalDpi xmlns:a14="http://schemas.microsoft.com/office/drawing/2010/main" val="0"/>
-              </a:ext>
-            </a:extLst>
-          </a:blip>
-          <a:stretch>
-            <a:fillRect/>
-          </a:stretch>
-        </p:blipFill>
-        <p:spPr>
-          <a:xfrm>
-            <a:off x="4948145" y="4001294"/>
-            <a:ext cx="2295709" cy="1721782"/>
-          </a:xfrm>
-          <a:prstGeom prst="rect">
-            <a:avLst/>
-          </a:prstGeom>
-        </p:spPr>
-      </p:pic>
-    </p:spTree>
-    <p:extLst>
-      <p:ext uri="{BB962C8B-B14F-4D97-AF65-F5344CB8AC3E}">
-        <p14:creationId xmlns:p14="http://schemas.microsoft.com/office/powerpoint/2010/main" val="3635592753"/>
-      </p:ext>
-    </p:extLst>
-  </p:cSld>
-  <p:clrMapOvr>
-    <a:masterClrMapping/>
-  </p:clrMapOvr>
-  <mc:AlternateContent xmlns:mc="http://schemas.openxmlformats.org/markup-compatibility/2006" xmlns:p14="http://schemas.microsoft.com/office/powerpoint/2010/main">
-    <mc:Choice Requires="p14">
-      <p:transition spd="med" p14:dur="700">
-        <p:fade/>
-      </p:transition>
-    </mc:Choice>
-    <mc:Fallback xmlns="">
-      <p:transition spd="med">
-        <p:fade/>
-      </p:transition>
-    </mc:Fallback>
-  </mc:AlternateContent>
-</p:sld>
-</file>
-
-<file path=ppt/slides/slide7.xml><?xml version="1.0" encoding="utf-8"?>
-<p:sld xmlns:a="http://schemas.openxmlformats.org/drawingml/2006/main" xmlns:r="http://schemas.openxmlformats.org/officeDocument/2006/relationships" xmlns:p="http://schemas.openxmlformats.org/presentationml/2006/main">
-  <p:cSld>
-    <p:spTree>
-      <p:nvGrpSpPr>
-        <p:cNvPr id="1" name=""/>
-        <p:cNvGrpSpPr/>
-        <p:nvPr/>
-      </p:nvGrpSpPr>
-      <p:grpSpPr>
-        <a:xfrm>
-          <a:off x="0" y="0"/>
-          <a:ext cx="0" cy="0"/>
-          <a:chOff x="0" y="0"/>
-          <a:chExt cx="0" cy="0"/>
-        </a:xfrm>
-      </p:grpSpPr>
-      <p:sp>
-        <p:nvSpPr>
-          <p:cNvPr id="2" name="Title 1">
-            <a:extLst>
-              <a:ext uri="{FF2B5EF4-FFF2-40B4-BE49-F238E27FC236}">
                 <a16:creationId xmlns:a16="http://schemas.microsoft.com/office/drawing/2014/main" id="{D0282BD2-4D04-4111-B394-994DE9CE9A43}"/>
               </a:ext>
             </a:extLst>
@@ -11127,7 +9520,7 @@
                 </a:solidFill>
                 <a:latin typeface="Century Gothic" panose="020B0502020202020204" pitchFamily="34" charset="0"/>
               </a:rPr>
-              <a:t>Classification Model Creation – Using both ML and Deep Learning Approach.</a:t>
+              <a:t>Classification Model Creation – Using both Naïve and Deep Learning Approach.</a:t>
             </a:r>
           </a:p>
           <a:p>
@@ -12153,7 +10546,7 @@
 </p:sld>
 </file>
 
-<file path=ppt/slides/slide8.xml><?xml version="1.0" encoding="utf-8"?>
+<file path=ppt/slides/slide7.xml><?xml version="1.0" encoding="utf-8"?>
 <p:sld xmlns:a="http://schemas.openxmlformats.org/drawingml/2006/main" xmlns:r="http://schemas.openxmlformats.org/officeDocument/2006/relationships" xmlns:p="http://schemas.openxmlformats.org/presentationml/2006/main">
   <p:cSld>
     <p:spTree>
@@ -12422,10 +10815,10 @@
       </p:pic>
       <p:pic>
         <p:nvPicPr>
-          <p:cNvPr id="6" name="Picture 5">
-            <a:extLst>
-              <a:ext uri="{FF2B5EF4-FFF2-40B4-BE49-F238E27FC236}">
-                <a16:creationId xmlns:a16="http://schemas.microsoft.com/office/drawing/2014/main" id="{429AD399-F18E-522B-C804-B137D25856A4}"/>
+          <p:cNvPr id="9" name="Picture 8">
+            <a:extLst>
+              <a:ext uri="{FF2B5EF4-FFF2-40B4-BE49-F238E27FC236}">
+                <a16:creationId xmlns:a16="http://schemas.microsoft.com/office/drawing/2014/main" id="{FC30A14A-1821-418D-8ADA-DB794BC22071}"/>
               </a:ext>
             </a:extLst>
           </p:cNvPr>
@@ -12436,13 +10829,13 @@
         </p:nvPicPr>
         <p:blipFill rotWithShape="1">
           <a:blip r:embed="rId4"/>
-          <a:srcRect t="650"/>
+          <a:srcRect t="-1502" r="70739" b="48679"/>
           <a:stretch/>
         </p:blipFill>
         <p:spPr>
           <a:xfrm>
-            <a:off x="6327416" y="2231873"/>
-            <a:ext cx="2723749" cy="2410013"/>
+            <a:off x="6439292" y="2231874"/>
+            <a:ext cx="1912207" cy="2188978"/>
           </a:xfrm>
           <a:prstGeom prst="rect">
             <a:avLst/>
@@ -12453,6 +10846,363 @@
     <p:extLst>
       <p:ext uri="{BB962C8B-B14F-4D97-AF65-F5344CB8AC3E}">
         <p14:creationId xmlns:p14="http://schemas.microsoft.com/office/powerpoint/2010/main" val="1891582470"/>
+      </p:ext>
+    </p:extLst>
+  </p:cSld>
+  <p:clrMapOvr>
+    <a:masterClrMapping/>
+  </p:clrMapOvr>
+  <mc:AlternateContent xmlns:mc="http://schemas.openxmlformats.org/markup-compatibility/2006" xmlns:p14="http://schemas.microsoft.com/office/powerpoint/2010/main">
+    <mc:Choice Requires="p14">
+      <p:transition spd="med" p14:dur="700">
+        <p:fade/>
+      </p:transition>
+    </mc:Choice>
+    <mc:Fallback xmlns="">
+      <p:transition spd="med">
+        <p:fade/>
+      </p:transition>
+    </mc:Fallback>
+  </mc:AlternateContent>
+</p:sld>
+</file>
+
+<file path=ppt/slides/slide8.xml><?xml version="1.0" encoding="utf-8"?>
+<p:sld xmlns:a="http://schemas.openxmlformats.org/drawingml/2006/main" xmlns:r="http://schemas.openxmlformats.org/officeDocument/2006/relationships" xmlns:p="http://schemas.openxmlformats.org/presentationml/2006/main">
+  <p:cSld>
+    <p:spTree>
+      <p:nvGrpSpPr>
+        <p:cNvPr id="1" name=""/>
+        <p:cNvGrpSpPr/>
+        <p:nvPr/>
+      </p:nvGrpSpPr>
+      <p:grpSpPr>
+        <a:xfrm>
+          <a:off x="0" y="0"/>
+          <a:ext cx="0" cy="0"/>
+          <a:chOff x="0" y="0"/>
+          <a:chExt cx="0" cy="0"/>
+        </a:xfrm>
+      </p:grpSpPr>
+      <p:sp>
+        <p:nvSpPr>
+          <p:cNvPr id="2" name="Title 1">
+            <a:extLst>
+              <a:ext uri="{FF2B5EF4-FFF2-40B4-BE49-F238E27FC236}">
+                <a16:creationId xmlns:a16="http://schemas.microsoft.com/office/drawing/2014/main" id="{DF9ECB1B-6BBD-45D9-93E0-045477DB8E37}"/>
+              </a:ext>
+            </a:extLst>
+          </p:cNvPr>
+          <p:cNvSpPr>
+            <a:spLocks noGrp="1"/>
+          </p:cNvSpPr>
+          <p:nvPr>
+            <p:ph type="title"/>
+          </p:nvPr>
+        </p:nvSpPr>
+        <p:spPr/>
+        <p:txBody>
+          <a:bodyPr/>
+          <a:lstStyle/>
+          <a:p>
+            <a:r>
+              <a:rPr lang="en-IN" dirty="0">
+                <a:solidFill>
+                  <a:schemeClr val="bg1">
+                    <a:lumMod val="95000"/>
+                  </a:schemeClr>
+                </a:solidFill>
+                <a:latin typeface="Century Gothic" panose="020B0502020202020204" pitchFamily="34" charset="0"/>
+              </a:rPr>
+              <a:t>Approach 1 – Naïve Bayes </a:t>
+            </a:r>
+            <a:endParaRPr lang="en-IN" dirty="0"/>
+          </a:p>
+        </p:txBody>
+      </p:sp>
+      <p:sp>
+        <p:nvSpPr>
+          <p:cNvPr id="7" name="Content Placeholder 6">
+            <a:extLst>
+              <a:ext uri="{FF2B5EF4-FFF2-40B4-BE49-F238E27FC236}">
+                <a16:creationId xmlns:a16="http://schemas.microsoft.com/office/drawing/2014/main" id="{90B050F2-DA53-4E8F-A157-6D9CCF6266DC}"/>
+              </a:ext>
+            </a:extLst>
+          </p:cNvPr>
+          <p:cNvSpPr>
+            <a:spLocks noGrp="1"/>
+          </p:cNvSpPr>
+          <p:nvPr>
+            <p:ph idx="1"/>
+          </p:nvPr>
+        </p:nvSpPr>
+        <p:spPr>
+          <a:xfrm>
+            <a:off x="838199" y="1825625"/>
+            <a:ext cx="11288698" cy="4351338"/>
+          </a:xfrm>
+        </p:spPr>
+        <p:txBody>
+          <a:bodyPr>
+            <a:normAutofit/>
+          </a:bodyPr>
+          <a:lstStyle/>
+          <a:p>
+            <a:pPr marL="0" indent="0">
+              <a:buNone/>
+            </a:pPr>
+            <a:r>
+              <a:rPr lang="en-IN" sz="1800" dirty="0">
+                <a:solidFill>
+                  <a:schemeClr val="bg1">
+                    <a:lumMod val="95000"/>
+                  </a:schemeClr>
+                </a:solidFill>
+                <a:latin typeface="Century Gothic" panose="020B0502020202020204" pitchFamily="34" charset="0"/>
+              </a:rPr>
+              <a:t>Use Multinomial Naïve Bayes			Find Accuracy Score of the Model:</a:t>
+            </a:r>
+          </a:p>
+          <a:p>
+            <a:pPr marL="0" indent="0">
+              <a:buNone/>
+            </a:pPr>
+            <a:r>
+              <a:rPr lang="en-IN" sz="1800" dirty="0">
+                <a:solidFill>
+                  <a:schemeClr val="bg1">
+                    <a:lumMod val="95000"/>
+                  </a:schemeClr>
+                </a:solidFill>
+                <a:latin typeface="Century Gothic" panose="020B0502020202020204" pitchFamily="34" charset="0"/>
+              </a:rPr>
+              <a:t>Classifier:</a:t>
+            </a:r>
+          </a:p>
+          <a:p>
+            <a:pPr marL="0" indent="0">
+              <a:buNone/>
+            </a:pPr>
+            <a:r>
+              <a:rPr lang="en-IN" sz="1800" dirty="0">
+                <a:solidFill>
+                  <a:schemeClr val="bg1">
+                    <a:lumMod val="95000"/>
+                  </a:schemeClr>
+                </a:solidFill>
+                <a:latin typeface="Century Gothic" panose="020B0502020202020204" pitchFamily="34" charset="0"/>
+              </a:rPr>
+              <a:t>									      Extraversion: 0.59</a:t>
+            </a:r>
+          </a:p>
+          <a:p>
+            <a:pPr marL="0" indent="0">
+              <a:buNone/>
+            </a:pPr>
+            <a:r>
+              <a:rPr lang="en-IN" sz="1800" dirty="0">
+                <a:solidFill>
+                  <a:schemeClr val="bg1">
+                    <a:lumMod val="95000"/>
+                  </a:schemeClr>
+                </a:solidFill>
+                <a:latin typeface="Century Gothic" panose="020B0502020202020204" pitchFamily="34" charset="0"/>
+              </a:rPr>
+              <a:t>						</a:t>
+            </a:r>
+          </a:p>
+          <a:p>
+            <a:pPr marL="0" indent="0">
+              <a:buNone/>
+            </a:pPr>
+            <a:r>
+              <a:rPr lang="en-IN" sz="1800" dirty="0">
+                <a:solidFill>
+                  <a:schemeClr val="bg1">
+                    <a:lumMod val="95000"/>
+                  </a:schemeClr>
+                </a:solidFill>
+                <a:latin typeface="Century Gothic" panose="020B0502020202020204" pitchFamily="34" charset="0"/>
+              </a:rPr>
+              <a:t>								                     Neuroticism:0.54</a:t>
+            </a:r>
+          </a:p>
+          <a:p>
+            <a:pPr marL="0" indent="0">
+              <a:buNone/>
+            </a:pPr>
+            <a:r>
+              <a:rPr lang="en-IN" sz="1800" dirty="0">
+                <a:solidFill>
+                  <a:schemeClr val="bg1">
+                    <a:lumMod val="95000"/>
+                  </a:schemeClr>
+                </a:solidFill>
+                <a:latin typeface="Century Gothic" panose="020B0502020202020204" pitchFamily="34" charset="0"/>
+              </a:rPr>
+              <a:t>						</a:t>
+            </a:r>
+          </a:p>
+          <a:p>
+            <a:pPr marL="0" indent="0">
+              <a:buNone/>
+            </a:pPr>
+            <a:r>
+              <a:rPr lang="en-IN" sz="1800" dirty="0">
+                <a:solidFill>
+                  <a:schemeClr val="bg1">
+                    <a:lumMod val="95000"/>
+                  </a:schemeClr>
+                </a:solidFill>
+                <a:latin typeface="Century Gothic" panose="020B0502020202020204" pitchFamily="34" charset="0"/>
+              </a:rPr>
+              <a:t>									      Agreeableness:0.58</a:t>
+            </a:r>
+          </a:p>
+          <a:p>
+            <a:pPr marL="0" indent="0">
+              <a:buNone/>
+            </a:pPr>
+            <a:endParaRPr lang="en-IN" sz="1800" dirty="0">
+              <a:solidFill>
+                <a:schemeClr val="bg1">
+                  <a:lumMod val="95000"/>
+                </a:schemeClr>
+              </a:solidFill>
+              <a:latin typeface="Century Gothic" panose="020B0502020202020204" pitchFamily="34" charset="0"/>
+            </a:endParaRPr>
+          </a:p>
+          <a:p>
+            <a:pPr marL="0" indent="0">
+              <a:buNone/>
+            </a:pPr>
+            <a:r>
+              <a:rPr lang="en-IN" sz="1800" dirty="0">
+                <a:solidFill>
+                  <a:schemeClr val="bg1">
+                    <a:lumMod val="95000"/>
+                  </a:schemeClr>
+                </a:solidFill>
+                <a:latin typeface="Century Gothic" panose="020B0502020202020204" pitchFamily="34" charset="0"/>
+              </a:rPr>
+              <a:t>									      </a:t>
+            </a:r>
+            <a:r>
+              <a:rPr lang="en-IN" sz="1600" dirty="0">
+                <a:solidFill>
+                  <a:schemeClr val="bg1">
+                    <a:lumMod val="95000"/>
+                  </a:schemeClr>
+                </a:solidFill>
+                <a:latin typeface="Century Gothic" panose="020B0502020202020204" pitchFamily="34" charset="0"/>
+              </a:rPr>
+              <a:t>Conscienticiousness:</a:t>
+            </a:r>
+            <a:r>
+              <a:rPr lang="en-IN" sz="1800" dirty="0">
+                <a:solidFill>
+                  <a:schemeClr val="bg1">
+                    <a:lumMod val="95000"/>
+                  </a:schemeClr>
+                </a:solidFill>
+                <a:latin typeface="Century Gothic" panose="020B0502020202020204" pitchFamily="34" charset="0"/>
+              </a:rPr>
+              <a:t>0.56</a:t>
+            </a:r>
+          </a:p>
+          <a:p>
+            <a:pPr marL="0" indent="0">
+              <a:buNone/>
+            </a:pPr>
+            <a:endParaRPr lang="en-IN" sz="1800" dirty="0">
+              <a:solidFill>
+                <a:schemeClr val="bg1">
+                  <a:lumMod val="95000"/>
+                </a:schemeClr>
+              </a:solidFill>
+              <a:latin typeface="Century Gothic" panose="020B0502020202020204" pitchFamily="34" charset="0"/>
+            </a:endParaRPr>
+          </a:p>
+          <a:p>
+            <a:pPr marL="0" indent="0">
+              <a:buNone/>
+            </a:pPr>
+            <a:r>
+              <a:rPr lang="en-IN" sz="1800" dirty="0">
+                <a:solidFill>
+                  <a:schemeClr val="bg1">
+                    <a:lumMod val="95000"/>
+                  </a:schemeClr>
+                </a:solidFill>
+                <a:latin typeface="Century Gothic" panose="020B0502020202020204" pitchFamily="34" charset="0"/>
+              </a:rPr>
+              <a:t> 									      Openness: 0.63</a:t>
+            </a:r>
+          </a:p>
+        </p:txBody>
+      </p:sp>
+      <p:pic>
+        <p:nvPicPr>
+          <p:cNvPr id="9" name="Picture 8">
+            <a:extLst>
+              <a:ext uri="{FF2B5EF4-FFF2-40B4-BE49-F238E27FC236}">
+                <a16:creationId xmlns:a16="http://schemas.microsoft.com/office/drawing/2014/main" id="{C7EB9CEB-7719-492D-AE4B-9F4D302C6800}"/>
+              </a:ext>
+            </a:extLst>
+          </p:cNvPr>
+          <p:cNvPicPr>
+            <a:picLocks noChangeAspect="1"/>
+          </p:cNvPicPr>
+          <p:nvPr/>
+        </p:nvPicPr>
+        <p:blipFill rotWithShape="1">
+          <a:blip r:embed="rId2"/>
+          <a:srcRect r="11897"/>
+          <a:stretch/>
+        </p:blipFill>
+        <p:spPr>
+          <a:xfrm>
+            <a:off x="838200" y="2976205"/>
+            <a:ext cx="5127594" cy="2607849"/>
+          </a:xfrm>
+          <a:prstGeom prst="rect">
+            <a:avLst/>
+          </a:prstGeom>
+        </p:spPr>
+      </p:pic>
+      <p:pic>
+        <p:nvPicPr>
+          <p:cNvPr id="11" name="Picture 10">
+            <a:extLst>
+              <a:ext uri="{FF2B5EF4-FFF2-40B4-BE49-F238E27FC236}">
+                <a16:creationId xmlns:a16="http://schemas.microsoft.com/office/drawing/2014/main" id="{C6A787F0-EF49-4E6C-ADBA-B5784F76DC71}"/>
+              </a:ext>
+            </a:extLst>
+          </p:cNvPr>
+          <p:cNvPicPr>
+            <a:picLocks noChangeAspect="1"/>
+          </p:cNvPicPr>
+          <p:nvPr/>
+        </p:nvPicPr>
+        <p:blipFill rotWithShape="1">
+          <a:blip r:embed="rId3"/>
+          <a:srcRect r="30505"/>
+          <a:stretch/>
+        </p:blipFill>
+        <p:spPr>
+          <a:xfrm>
+            <a:off x="6507114" y="2274774"/>
+            <a:ext cx="2991994" cy="3902189"/>
+          </a:xfrm>
+          <a:prstGeom prst="rect">
+            <a:avLst/>
+          </a:prstGeom>
+        </p:spPr>
+      </p:pic>
+    </p:spTree>
+    <p:extLst>
+      <p:ext uri="{BB962C8B-B14F-4D97-AF65-F5344CB8AC3E}">
+        <p14:creationId xmlns:p14="http://schemas.microsoft.com/office/powerpoint/2010/main" val="34356123"/>
       </p:ext>
     </p:extLst>
   </p:cSld>
@@ -12496,7 +11246,7 @@
           <p:cNvPr id="2" name="Title 1">
             <a:extLst>
               <a:ext uri="{FF2B5EF4-FFF2-40B4-BE49-F238E27FC236}">
-                <a16:creationId xmlns:a16="http://schemas.microsoft.com/office/drawing/2014/main" id="{DF9ECB1B-6BBD-45D9-93E0-045477DB8E37}"/>
+                <a16:creationId xmlns:a16="http://schemas.microsoft.com/office/drawing/2014/main" id="{865CFB3B-2E85-4168-AEE4-0B3DCE7C18C5}"/>
               </a:ext>
             </a:extLst>
           </p:cNvPr>
@@ -12521,18 +11271,17 @@
                 </a:solidFill>
                 <a:latin typeface="Century Gothic" panose="020B0502020202020204" pitchFamily="34" charset="0"/>
               </a:rPr>
-              <a:t>Approach 1 – Naïve Bayes </a:t>
-            </a:r>
-            <a:endParaRPr lang="en-IN" dirty="0"/>
+              <a:t>Approach 2 – Deep Learning</a:t>
+            </a:r>
           </a:p>
         </p:txBody>
       </p:sp>
       <p:sp>
         <p:nvSpPr>
-          <p:cNvPr id="7" name="Content Placeholder 6">
-            <a:extLst>
-              <a:ext uri="{FF2B5EF4-FFF2-40B4-BE49-F238E27FC236}">
-                <a16:creationId xmlns:a16="http://schemas.microsoft.com/office/drawing/2014/main" id="{90B050F2-DA53-4E8F-A157-6D9CCF6266DC}"/>
+          <p:cNvPr id="3" name="Content Placeholder 2">
+            <a:extLst>
+              <a:ext uri="{FF2B5EF4-FFF2-40B4-BE49-F238E27FC236}">
+                <a16:creationId xmlns:a16="http://schemas.microsoft.com/office/drawing/2014/main" id="{B6229D8E-D2D2-4F26-8B29-57ACF586DB44}"/>
               </a:ext>
             </a:extLst>
           </p:cNvPr>
@@ -12540,13 +11289,13 @@
             <a:spLocks noGrp="1"/>
           </p:cNvSpPr>
           <p:nvPr>
-            <p:ph idx="1"/>
+            <p:ph sz="half" idx="1"/>
           </p:nvPr>
         </p:nvSpPr>
         <p:spPr>
           <a:xfrm>
-            <a:off x="838199" y="1825625"/>
-            <a:ext cx="11288698" cy="4351338"/>
+            <a:off x="914400" y="2389132"/>
+            <a:ext cx="5181600" cy="3309722"/>
           </a:xfrm>
         </p:spPr>
         <p:txBody>
@@ -12554,118 +11303,6 @@
             <a:normAutofit/>
           </a:bodyPr>
           <a:lstStyle/>
-          <a:p>
-            <a:pPr marL="0" indent="0">
-              <a:buNone/>
-            </a:pPr>
-            <a:r>
-              <a:rPr lang="en-IN" sz="1800" dirty="0">
-                <a:solidFill>
-                  <a:schemeClr val="bg1">
-                    <a:lumMod val="95000"/>
-                  </a:schemeClr>
-                </a:solidFill>
-                <a:latin typeface="Century Gothic" panose="020B0502020202020204" pitchFamily="34" charset="0"/>
-              </a:rPr>
-              <a:t>Use Multinomial Naïve Bayes			Find Accuracy Score of the Model:</a:t>
-            </a:r>
-          </a:p>
-          <a:p>
-            <a:pPr marL="0" indent="0">
-              <a:buNone/>
-            </a:pPr>
-            <a:r>
-              <a:rPr lang="en-IN" sz="1800" dirty="0">
-                <a:solidFill>
-                  <a:schemeClr val="bg1">
-                    <a:lumMod val="95000"/>
-                  </a:schemeClr>
-                </a:solidFill>
-                <a:latin typeface="Century Gothic" panose="020B0502020202020204" pitchFamily="34" charset="0"/>
-              </a:rPr>
-              <a:t>Classifier:</a:t>
-            </a:r>
-          </a:p>
-          <a:p>
-            <a:pPr marL="0" indent="0">
-              <a:buNone/>
-            </a:pPr>
-            <a:r>
-              <a:rPr lang="en-IN" sz="1800" dirty="0">
-                <a:solidFill>
-                  <a:schemeClr val="bg1">
-                    <a:lumMod val="95000"/>
-                  </a:schemeClr>
-                </a:solidFill>
-                <a:latin typeface="Century Gothic" panose="020B0502020202020204" pitchFamily="34" charset="0"/>
-              </a:rPr>
-              <a:t>									      Extraversion: 0.59</a:t>
-            </a:r>
-          </a:p>
-          <a:p>
-            <a:pPr marL="0" indent="0">
-              <a:buNone/>
-            </a:pPr>
-            <a:r>
-              <a:rPr lang="en-IN" sz="1800" dirty="0">
-                <a:solidFill>
-                  <a:schemeClr val="bg1">
-                    <a:lumMod val="95000"/>
-                  </a:schemeClr>
-                </a:solidFill>
-                <a:latin typeface="Century Gothic" panose="020B0502020202020204" pitchFamily="34" charset="0"/>
-              </a:rPr>
-              <a:t>						</a:t>
-            </a:r>
-          </a:p>
-          <a:p>
-            <a:pPr marL="0" indent="0">
-              <a:buNone/>
-            </a:pPr>
-            <a:r>
-              <a:rPr lang="en-IN" sz="1800" dirty="0">
-                <a:solidFill>
-                  <a:schemeClr val="bg1">
-                    <a:lumMod val="95000"/>
-                  </a:schemeClr>
-                </a:solidFill>
-                <a:latin typeface="Century Gothic" panose="020B0502020202020204" pitchFamily="34" charset="0"/>
-              </a:rPr>
-              <a:t>								                     Neuroticism:0.54</a:t>
-            </a:r>
-          </a:p>
-          <a:p>
-            <a:pPr marL="0" indent="0">
-              <a:buNone/>
-            </a:pPr>
-            <a:r>
-              <a:rPr lang="en-IN" sz="1800" dirty="0">
-                <a:solidFill>
-                  <a:schemeClr val="bg1">
-                    <a:lumMod val="95000"/>
-                  </a:schemeClr>
-                </a:solidFill>
-                <a:latin typeface="Century Gothic" panose="020B0502020202020204" pitchFamily="34" charset="0"/>
-              </a:rPr>
-              <a:t>						</a:t>
-            </a:r>
-          </a:p>
-          <a:p>
-            <a:pPr marL="0" indent="0">
-              <a:buNone/>
-            </a:pPr>
-            <a:r>
-              <a:rPr lang="en-IN" sz="1800" dirty="0">
-                <a:solidFill>
-                  <a:schemeClr val="bg1">
-                    <a:lumMod val="95000"/>
-                  </a:schemeClr>
-                </a:solidFill>
-                <a:latin typeface="Century Gothic" panose="020B0502020202020204" pitchFamily="34" charset="0"/>
-              </a:rPr>
-              <a:t>									      Agreeableness:0.58</a:t>
-            </a:r>
-          </a:p>
           <a:p>
             <a:pPr marL="0" indent="0">
               <a:buNone/>
@@ -12683,39 +11320,14 @@
             <a:pPr marL="0" indent="0">
               <a:buNone/>
             </a:pPr>
-            <a:r>
-              <a:rPr lang="en-IN" sz="1800" dirty="0">
-                <a:solidFill>
-                  <a:schemeClr val="bg1">
-                    <a:lumMod val="95000"/>
-                  </a:schemeClr>
-                </a:solidFill>
-                <a:latin typeface="Century Gothic" panose="020B0502020202020204" pitchFamily="34" charset="0"/>
-              </a:rPr>
-              <a:t>									      </a:t>
-            </a:r>
-            <a:r>
-              <a:rPr lang="en-IN" sz="1600" dirty="0">
-                <a:solidFill>
-                  <a:schemeClr val="bg1">
-                    <a:lumMod val="95000"/>
-                  </a:schemeClr>
-                </a:solidFill>
-                <a:latin typeface="Century Gothic" panose="020B0502020202020204" pitchFamily="34" charset="0"/>
-              </a:rPr>
-              <a:t>Conscienticiousness:</a:t>
-            </a:r>
-            <a:r>
-              <a:rPr lang="en-IN" sz="1800" dirty="0">
-                <a:solidFill>
-                  <a:schemeClr val="bg1">
-                    <a:lumMod val="95000"/>
-                  </a:schemeClr>
-                </a:solidFill>
-                <a:latin typeface="Century Gothic" panose="020B0502020202020204" pitchFamily="34" charset="0"/>
-              </a:rPr>
-              <a:t>0.56</a:t>
-            </a:r>
+            <a:endParaRPr lang="en-IN" sz="1800" dirty="0">
+              <a:solidFill>
+                <a:schemeClr val="bg1">
+                  <a:lumMod val="95000"/>
+                </a:schemeClr>
+              </a:solidFill>
+              <a:latin typeface="Century Gothic" panose="020B0502020202020204" pitchFamily="34" charset="0"/>
+            </a:endParaRPr>
           </a:p>
           <a:p>
             <a:pPr marL="0" indent="0">
@@ -12734,6 +11346,32 @@
             <a:pPr marL="0" indent="0">
               <a:buNone/>
             </a:pPr>
+            <a:endParaRPr lang="en-IN" sz="1800" dirty="0">
+              <a:solidFill>
+                <a:schemeClr val="bg1">
+                  <a:lumMod val="95000"/>
+                </a:schemeClr>
+              </a:solidFill>
+              <a:latin typeface="Century Gothic" panose="020B0502020202020204" pitchFamily="34" charset="0"/>
+            </a:endParaRPr>
+          </a:p>
+          <a:p>
+            <a:pPr marL="0" indent="0">
+              <a:buNone/>
+            </a:pPr>
+            <a:endParaRPr lang="en-IN" sz="1800" dirty="0">
+              <a:solidFill>
+                <a:schemeClr val="bg1">
+                  <a:lumMod val="95000"/>
+                </a:schemeClr>
+              </a:solidFill>
+              <a:latin typeface="Century Gothic" panose="020B0502020202020204" pitchFamily="34" charset="0"/>
+            </a:endParaRPr>
+          </a:p>
+          <a:p>
+            <a:pPr marL="0" indent="0">
+              <a:buNone/>
+            </a:pPr>
             <a:r>
               <a:rPr lang="en-IN" sz="1800" dirty="0">
                 <a:solidFill>
@@ -12741,19 +11379,46 @@
                     <a:lumMod val="95000"/>
                   </a:schemeClr>
                 </a:solidFill>
-                <a:latin typeface="Century Gothic" panose="020B0502020202020204" pitchFamily="34" charset="0"/>
-              </a:rPr>
-              <a:t> 									      Openness: 0.63</a:t>
-            </a:r>
+                <a:effectLst/>
+                <a:latin typeface="Century Gothic" panose="020B0502020202020204" pitchFamily="34" charset="0"/>
+                <a:ea typeface="Calibri" panose="020F0502020204030204" pitchFamily="34" charset="0"/>
+                <a:cs typeface="Mangal" panose="02040503050203030202" pitchFamily="18" charset="0"/>
+              </a:rPr>
+              <a:t>Next, we move on to Document Level Feature Extraction.</a:t>
+            </a:r>
+            <a:endParaRPr lang="en-IN" sz="1800" dirty="0">
+              <a:solidFill>
+                <a:schemeClr val="bg1">
+                  <a:lumMod val="95000"/>
+                </a:schemeClr>
+              </a:solidFill>
+              <a:effectLst/>
+              <a:latin typeface="Century Gothic" panose="020B0502020202020204" pitchFamily="34" charset="0"/>
+              <a:ea typeface="Times New Roman" panose="02020603050405020304" pitchFamily="18" charset="0"/>
+              <a:cs typeface="Mangal" panose="02040503050203030202" pitchFamily="18" charset="0"/>
+            </a:endParaRPr>
+          </a:p>
+          <a:p>
+            <a:pPr marL="0" indent="0">
+              <a:buNone/>
+            </a:pPr>
+            <a:endParaRPr lang="en-IN" sz="1800" dirty="0">
+              <a:solidFill>
+                <a:schemeClr val="bg1">
+                  <a:lumMod val="95000"/>
+                </a:schemeClr>
+              </a:solidFill>
+              <a:latin typeface="Century Gothic" panose="020B0502020202020204" pitchFamily="34" charset="0"/>
+            </a:endParaRPr>
           </a:p>
         </p:txBody>
       </p:sp>
       <p:pic>
         <p:nvPicPr>
-          <p:cNvPr id="9" name="Picture 8">
-            <a:extLst>
-              <a:ext uri="{FF2B5EF4-FFF2-40B4-BE49-F238E27FC236}">
-                <a16:creationId xmlns:a16="http://schemas.microsoft.com/office/drawing/2014/main" id="{C7EB9CEB-7719-492D-AE4B-9F4D302C6800}"/>
+          <p:cNvPr id="5" name="Picture 4">
+            <a:extLst>
+              <a:ext uri="{FF2B5EF4-FFF2-40B4-BE49-F238E27FC236}">
+                <a16:creationId xmlns:a16="http://schemas.microsoft.com/office/drawing/2014/main" id="{DC142329-9444-461B-8917-F42E1D911DBF}"/>
               </a:ext>
             </a:extLst>
           </p:cNvPr>
@@ -12762,15 +11427,16 @@
           </p:cNvPicPr>
           <p:nvPr/>
         </p:nvPicPr>
-        <p:blipFill rotWithShape="1">
+        <p:blipFill>
           <a:blip r:embed="rId2"/>
-          <a:srcRect r="11897"/>
-          <a:stretch/>
+          <a:stretch>
+            <a:fillRect/>
+          </a:stretch>
         </p:blipFill>
         <p:spPr>
           <a:xfrm>
-            <a:off x="838200" y="2976205"/>
-            <a:ext cx="5127594" cy="2607849"/>
+            <a:off x="6172199" y="3696986"/>
+            <a:ext cx="5257801" cy="2728304"/>
           </a:xfrm>
           <a:prstGeom prst="rect">
             <a:avLst/>
@@ -12779,10 +11445,10 @@
       </p:pic>
       <p:pic>
         <p:nvPicPr>
-          <p:cNvPr id="11" name="Picture 10">
-            <a:extLst>
-              <a:ext uri="{FF2B5EF4-FFF2-40B4-BE49-F238E27FC236}">
-                <a16:creationId xmlns:a16="http://schemas.microsoft.com/office/drawing/2014/main" id="{C6A787F0-EF49-4E6C-ADBA-B5784F76DC71}"/>
+          <p:cNvPr id="7" name="Picture 6">
+            <a:extLst>
+              <a:ext uri="{FF2B5EF4-FFF2-40B4-BE49-F238E27FC236}">
+                <a16:creationId xmlns:a16="http://schemas.microsoft.com/office/drawing/2014/main" id="{E02118A7-3EC6-4F03-B890-45ACA4D41CF4}"/>
               </a:ext>
             </a:extLst>
           </p:cNvPr>
@@ -12791,25 +11457,125 @@
           </p:cNvPicPr>
           <p:nvPr/>
         </p:nvPicPr>
-        <p:blipFill rotWithShape="1">
+        <p:blipFill>
           <a:blip r:embed="rId3"/>
-          <a:srcRect r="30505"/>
-          <a:stretch/>
+          <a:stretch>
+            <a:fillRect/>
+          </a:stretch>
         </p:blipFill>
         <p:spPr>
           <a:xfrm>
-            <a:off x="6507114" y="2274774"/>
-            <a:ext cx="2991994" cy="3902189"/>
+            <a:off x="986395" y="1734078"/>
+            <a:ext cx="4572505" cy="2055214"/>
           </a:xfrm>
           <a:prstGeom prst="rect">
             <a:avLst/>
           </a:prstGeom>
         </p:spPr>
       </p:pic>
+      <p:sp>
+        <p:nvSpPr>
+          <p:cNvPr id="11" name="Content Placeholder 10">
+            <a:extLst>
+              <a:ext uri="{FF2B5EF4-FFF2-40B4-BE49-F238E27FC236}">
+                <a16:creationId xmlns:a16="http://schemas.microsoft.com/office/drawing/2014/main" id="{D079A2E5-7303-432E-9559-2693ED5FFD94}"/>
+              </a:ext>
+            </a:extLst>
+          </p:cNvPr>
+          <p:cNvSpPr>
+            <a:spLocks noGrp="1"/>
+          </p:cNvSpPr>
+          <p:nvPr>
+            <p:ph sz="half" idx="2"/>
+          </p:nvPr>
+        </p:nvSpPr>
+        <p:spPr>
+          <a:xfrm>
+            <a:off x="5936201" y="1613623"/>
+            <a:ext cx="5871100" cy="4351338"/>
+          </a:xfrm>
+        </p:spPr>
+        <p:txBody>
+          <a:bodyPr>
+            <a:normAutofit/>
+          </a:bodyPr>
+          <a:lstStyle/>
+          <a:p>
+            <a:pPr indent="0">
+              <a:lnSpc>
+                <a:spcPct val="110000"/>
+              </a:lnSpc>
+              <a:spcAft>
+                <a:spcPts val="600"/>
+              </a:spcAft>
+              <a:buNone/>
+            </a:pPr>
+            <a:r>
+              <a:rPr lang="en-IN" sz="1800" dirty="0">
+                <a:solidFill>
+                  <a:schemeClr val="bg1">
+                    <a:lumMod val="95000"/>
+                  </a:schemeClr>
+                </a:solidFill>
+                <a:effectLst/>
+                <a:latin typeface="Century Gothic" panose="020B0502020202020204" pitchFamily="34" charset="0"/>
+                <a:ea typeface="Calibri" panose="020F0502020204030204" pitchFamily="34" charset="0"/>
+                <a:cs typeface="Mangal" panose="02040503050203030202" pitchFamily="18" charset="0"/>
+              </a:rPr>
+              <a:t>We used the </a:t>
+            </a:r>
+            <a:r>
+              <a:rPr lang="en-IN" sz="1800" dirty="0" err="1">
+                <a:solidFill>
+                  <a:schemeClr val="bg1">
+                    <a:lumMod val="95000"/>
+                  </a:schemeClr>
+                </a:solidFill>
+                <a:effectLst/>
+                <a:latin typeface="Century Gothic" panose="020B0502020202020204" pitchFamily="34" charset="0"/>
+                <a:ea typeface="Calibri" panose="020F0502020204030204" pitchFamily="34" charset="0"/>
+                <a:cs typeface="Mangal" panose="02040503050203030202" pitchFamily="18" charset="0"/>
+              </a:rPr>
+              <a:t>Mairesse</a:t>
+            </a:r>
+            <a:r>
+              <a:rPr lang="en-IN" sz="1800" dirty="0">
+                <a:solidFill>
+                  <a:schemeClr val="bg1">
+                    <a:lumMod val="95000"/>
+                  </a:schemeClr>
+                </a:solidFill>
+                <a:effectLst/>
+                <a:latin typeface="Century Gothic" panose="020B0502020202020204" pitchFamily="34" charset="0"/>
+                <a:ea typeface="Calibri" panose="020F0502020204030204" pitchFamily="34" charset="0"/>
+                <a:cs typeface="Mangal" panose="02040503050203030202" pitchFamily="18" charset="0"/>
+              </a:rPr>
+              <a:t> baseline feature set (10*85), which includes such global features as the word count and average sentence length. We append the author id with this set to uniquely identify the columns. We rename the columns for better understanding.</a:t>
+            </a:r>
+            <a:endParaRPr lang="en-IN" sz="1800" dirty="0">
+              <a:solidFill>
+                <a:schemeClr val="bg1">
+                  <a:lumMod val="95000"/>
+                </a:schemeClr>
+              </a:solidFill>
+              <a:effectLst/>
+              <a:latin typeface="Century Gothic" panose="020B0502020202020204" pitchFamily="34" charset="0"/>
+              <a:ea typeface="Times New Roman" panose="02020603050405020304" pitchFamily="18" charset="0"/>
+              <a:cs typeface="Mangal" panose="02040503050203030202" pitchFamily="18" charset="0"/>
+            </a:endParaRPr>
+          </a:p>
+          <a:p>
+            <a:pPr marL="0" indent="0">
+              <a:buNone/>
+            </a:pPr>
+            <a:endParaRPr lang="en-IN" dirty="0"/>
+          </a:p>
+        </p:txBody>
+      </p:sp>
     </p:spTree>
     <p:extLst>
       <p:ext uri="{BB962C8B-B14F-4D97-AF65-F5344CB8AC3E}">
-        <p14:creationId xmlns:p14="http://schemas.microsoft.com/office/powerpoint/2010/main" val="34356123"/>
+        <p14:creationId xmlns:p14="http://schemas.microsoft.com/office/powerpoint/2010/main" val="1526397320"/>
       </p:ext>
     </p:extLst>
   </p:cSld>
